--- a/presentation.pptx
+++ b/presentation.pptx
@@ -4,12 +4,16 @@
   <p:sldMasterIdLst>
     <p:sldMasterId id="2147483660" r:id="rId1"/>
   </p:sldMasterIdLst>
+  <p:notesMasterIdLst>
+    <p:notesMasterId r:id="rId8"/>
+  </p:notesMasterIdLst>
   <p:sldIdLst>
     <p:sldId id="256" r:id="rId2"/>
     <p:sldId id="257" r:id="rId3"/>
     <p:sldId id="258" r:id="rId4"/>
     <p:sldId id="259" r:id="rId5"/>
     <p:sldId id="260" r:id="rId6"/>
+    <p:sldId id="261" r:id="rId7"/>
   </p:sldIdLst>
   <p:sldSz cx="12192000" cy="6858000"/>
   <p:notesSz cx="6858000" cy="9144000"/>
@@ -108,20 +112,39 @@
       </a:defRPr>
     </a:lvl9pPr>
   </p:defaultTextStyle>
+  <p:extLst>
+    <p:ext uri="{EFAFB233-063F-42B5-8137-9DF3F51BA10A}">
+      <p15:sldGuideLst xmlns:p15="http://schemas.microsoft.com/office/powerpoint/2012/main"/>
+    </p:ext>
+  </p:extLst>
 </p:presentation>
+</file>
+
+<file path=ppt/authors.xml><?xml version="1.0" encoding="utf-8"?>
+<p188:authorLst xmlns:a="http://schemas.openxmlformats.org/drawingml/2006/main" xmlns:r="http://schemas.openxmlformats.org/officeDocument/2006/relationships" xmlns:p188="http://schemas.microsoft.com/office/powerpoint/2018/8/main">
+  <p188:author id="{FEEA0A61-ED14-B1C6-892A-85506C1B5D00}" name="Karl La Grassa" initials="KLG" userId="598be429c4e50114" providerId="Windows Live"/>
+</p188:authorLst>
+</file>
+
+<file path=ppt/revisionInfo.xml><?xml version="1.0" encoding="utf-8"?>
+<p1510:revInfo xmlns:a="http://schemas.openxmlformats.org/drawingml/2006/main" xmlns:r="http://schemas.openxmlformats.org/officeDocument/2006/relationships" xmlns:p1510="http://schemas.microsoft.com/office/powerpoint/2015/10/main">
+  <p1510:revLst>
+    <p1510:client id="{405757E6-D4E6-D044-98D8-0C142B7FD65C}" v="8" dt="2021-11-08T18:59:10.906"/>
+  </p1510:revLst>
+</p1510:revInfo>
 </file>
 
 <file path=ppt/changesInfos/changesInfo1.xml><?xml version="1.0" encoding="utf-8"?>
 <pc:chgInfo xmlns:a="http://schemas.openxmlformats.org/drawingml/2006/main" xmlns:r="http://schemas.openxmlformats.org/officeDocument/2006/relationships" xmlns:ac="http://schemas.microsoft.com/office/drawing/2013/main/command" xmlns:pc="http://schemas.microsoft.com/office/powerpoint/2013/main/command">
   <pc:docChgLst>
     <pc:chgData name="Karl La Grassa" userId="598be429c4e50114" providerId="LiveId" clId="{405757E6-D4E6-D044-98D8-0C142B7FD65C}"/>
-    <pc:docChg chg="custSel addSld modSld">
-      <pc:chgData name="Karl La Grassa" userId="598be429c4e50114" providerId="LiveId" clId="{405757E6-D4E6-D044-98D8-0C142B7FD65C}" dt="2021-10-29T10:09:47.596" v="637" actId="20577"/>
+    <pc:docChg chg="undo redo custSel addSld modSld">
+      <pc:chgData name="Karl La Grassa" userId="598be429c4e50114" providerId="LiveId" clId="{405757E6-D4E6-D044-98D8-0C142B7FD65C}" dt="2021-11-08T18:59:18.675" v="2188" actId="14100"/>
       <pc:docMkLst>
         <pc:docMk/>
       </pc:docMkLst>
       <pc:sldChg chg="modSp mod">
-        <pc:chgData name="Karl La Grassa" userId="598be429c4e50114" providerId="LiveId" clId="{405757E6-D4E6-D044-98D8-0C142B7FD65C}" dt="2021-10-29T09:20:30.570" v="2" actId="20577"/>
+        <pc:chgData name="Karl La Grassa" userId="598be429c4e50114" providerId="LiveId" clId="{405757E6-D4E6-D044-98D8-0C142B7FD65C}" dt="2021-10-29T12:23:55.333" v="943" actId="20577"/>
         <pc:sldMkLst>
           <pc:docMk/>
           <pc:sldMk cId="938019038" sldId="256"/>
@@ -134,15 +157,23 @@
             <ac:spMk id="2" creationId="{68D1C5AC-3EE7-E147-92E1-E7BEDB698BFB}"/>
           </ac:spMkLst>
         </pc:spChg>
+        <pc:spChg chg="mod">
+          <ac:chgData name="Karl La Grassa" userId="598be429c4e50114" providerId="LiveId" clId="{405757E6-D4E6-D044-98D8-0C142B7FD65C}" dt="2021-10-29T12:23:55.333" v="943" actId="20577"/>
+          <ac:spMkLst>
+            <pc:docMk/>
+            <pc:sldMk cId="938019038" sldId="256"/>
+            <ac:spMk id="3" creationId="{F4A64A29-9FD0-D244-8C95-8A3335246D81}"/>
+          </ac:spMkLst>
+        </pc:spChg>
       </pc:sldChg>
-      <pc:sldChg chg="modSp new mod">
-        <pc:chgData name="Karl La Grassa" userId="598be429c4e50114" providerId="LiveId" clId="{405757E6-D4E6-D044-98D8-0C142B7FD65C}" dt="2021-10-29T09:43:45.803" v="323" actId="20577"/>
+      <pc:sldChg chg="addSp modSp new mod addCm delCm modCm modNotesTx">
+        <pc:chgData name="Karl La Grassa" userId="598be429c4e50114" providerId="LiveId" clId="{405757E6-D4E6-D044-98D8-0C142B7FD65C}" dt="2021-11-08T13:46:27.932" v="2180" actId="20577"/>
         <pc:sldMkLst>
           <pc:docMk/>
           <pc:sldMk cId="3461207568" sldId="257"/>
         </pc:sldMkLst>
         <pc:spChg chg="mod">
-          <ac:chgData name="Karl La Grassa" userId="598be429c4e50114" providerId="LiveId" clId="{405757E6-D4E6-D044-98D8-0C142B7FD65C}" dt="2021-10-29T09:43:45.803" v="323" actId="20577"/>
+          <ac:chgData name="Karl La Grassa" userId="598be429c4e50114" providerId="LiveId" clId="{405757E6-D4E6-D044-98D8-0C142B7FD65C}" dt="2021-10-29T12:24:48.992" v="1101" actId="313"/>
           <ac:spMkLst>
             <pc:docMk/>
             <pc:sldMk cId="3461207568" sldId="257"/>
@@ -150,22 +181,38 @@
           </ac:spMkLst>
         </pc:spChg>
         <pc:spChg chg="mod">
-          <ac:chgData name="Karl La Grassa" userId="598be429c4e50114" providerId="LiveId" clId="{405757E6-D4E6-D044-98D8-0C142B7FD65C}" dt="2021-10-29T09:41:04.829" v="216" actId="20577"/>
+          <ac:chgData name="Karl La Grassa" userId="598be429c4e50114" providerId="LiveId" clId="{405757E6-D4E6-D044-98D8-0C142B7FD65C}" dt="2021-11-08T13:16:11.049" v="2036" actId="20577"/>
           <ac:spMkLst>
             <pc:docMk/>
             <pc:sldMk cId="3461207568" sldId="257"/>
             <ac:spMk id="3" creationId="{0835F067-15F9-B242-B2DD-EB0249AA0B1D}"/>
           </ac:spMkLst>
         </pc:spChg>
+        <pc:spChg chg="add mod">
+          <ac:chgData name="Karl La Grassa" userId="598be429c4e50114" providerId="LiveId" clId="{405757E6-D4E6-D044-98D8-0C142B7FD65C}" dt="2021-11-08T13:17:19.990" v="2154" actId="404"/>
+          <ac:spMkLst>
+            <pc:docMk/>
+            <pc:sldMk cId="3461207568" sldId="257"/>
+            <ac:spMk id="5" creationId="{CD1F6774-A9BF-A448-ACD8-7A01CEF3C384}"/>
+          </ac:spMkLst>
+        </pc:spChg>
+        <pc:picChg chg="add mod">
+          <ac:chgData name="Karl La Grassa" userId="598be429c4e50114" providerId="LiveId" clId="{405757E6-D4E6-D044-98D8-0C142B7FD65C}" dt="2021-11-08T13:17:24.222" v="2158" actId="1038"/>
+          <ac:picMkLst>
+            <pc:docMk/>
+            <pc:sldMk cId="3461207568" sldId="257"/>
+            <ac:picMk id="4" creationId="{4B723C6F-9500-0642-B6FC-6EFC5D588790}"/>
+          </ac:picMkLst>
+        </pc:picChg>
       </pc:sldChg>
       <pc:sldChg chg="modSp new mod">
-        <pc:chgData name="Karl La Grassa" userId="598be429c4e50114" providerId="LiveId" clId="{405757E6-D4E6-D044-98D8-0C142B7FD65C}" dt="2021-10-29T10:08:26.169" v="562" actId="20577"/>
+        <pc:chgData name="Karl La Grassa" userId="598be429c4e50114" providerId="LiveId" clId="{405757E6-D4E6-D044-98D8-0C142B7FD65C}" dt="2021-11-08T13:07:34.539" v="1958" actId="20577"/>
         <pc:sldMkLst>
           <pc:docMk/>
           <pc:sldMk cId="1366941571" sldId="258"/>
         </pc:sldMkLst>
         <pc:spChg chg="mod">
-          <ac:chgData name="Karl La Grassa" userId="598be429c4e50114" providerId="LiveId" clId="{405757E6-D4E6-D044-98D8-0C142B7FD65C}" dt="2021-10-29T09:43:49.768" v="325" actId="20577"/>
+          <ac:chgData name="Karl La Grassa" userId="598be429c4e50114" providerId="LiveId" clId="{405757E6-D4E6-D044-98D8-0C142B7FD65C}" dt="2021-10-29T12:49:52.773" v="1331" actId="20577"/>
           <ac:spMkLst>
             <pc:docMk/>
             <pc:sldMk cId="1366941571" sldId="258"/>
@@ -173,7 +220,7 @@
           </ac:spMkLst>
         </pc:spChg>
         <pc:spChg chg="mod">
-          <ac:chgData name="Karl La Grassa" userId="598be429c4e50114" providerId="LiveId" clId="{405757E6-D4E6-D044-98D8-0C142B7FD65C}" dt="2021-10-29T10:08:26.169" v="562" actId="20577"/>
+          <ac:chgData name="Karl La Grassa" userId="598be429c4e50114" providerId="LiveId" clId="{405757E6-D4E6-D044-98D8-0C142B7FD65C}" dt="2021-11-08T13:07:34.539" v="1958" actId="20577"/>
           <ac:spMkLst>
             <pc:docMk/>
             <pc:sldMk cId="1366941571" sldId="258"/>
@@ -181,14 +228,14 @@
           </ac:spMkLst>
         </pc:spChg>
       </pc:sldChg>
-      <pc:sldChg chg="delSp modSp new mod">
-        <pc:chgData name="Karl La Grassa" userId="598be429c4e50114" providerId="LiveId" clId="{405757E6-D4E6-D044-98D8-0C142B7FD65C}" dt="2021-10-29T10:09:39.512" v="606" actId="478"/>
+      <pc:sldChg chg="addSp delSp modSp new mod setBg setClrOvrMap">
+        <pc:chgData name="Karl La Grassa" userId="598be429c4e50114" providerId="LiveId" clId="{405757E6-D4E6-D044-98D8-0C142B7FD65C}" dt="2021-11-08T18:59:18.675" v="2188" actId="14100"/>
         <pc:sldMkLst>
           <pc:docMk/>
           <pc:sldMk cId="546149401" sldId="259"/>
         </pc:sldMkLst>
         <pc:spChg chg="mod">
-          <ac:chgData name="Karl La Grassa" userId="598be429c4e50114" providerId="LiveId" clId="{405757E6-D4E6-D044-98D8-0C142B7FD65C}" dt="2021-10-29T10:09:37.379" v="605" actId="20577"/>
+          <ac:chgData name="Karl La Grassa" userId="598be429c4e50114" providerId="LiveId" clId="{405757E6-D4E6-D044-98D8-0C142B7FD65C}" dt="2021-10-29T12:51:08.417" v="1417" actId="27636"/>
           <ac:spMkLst>
             <pc:docMk/>
             <pc:sldMk cId="546149401" sldId="259"/>
@@ -203,25 +250,735 @@
             <ac:spMk id="3" creationId="{D480E590-D1CD-8342-9D64-F586402ECDD9}"/>
           </ac:spMkLst>
         </pc:spChg>
+        <pc:spChg chg="add mod">
+          <ac:chgData name="Karl La Grassa" userId="598be429c4e50114" providerId="LiveId" clId="{405757E6-D4E6-D044-98D8-0C142B7FD65C}" dt="2021-10-29T11:57:40.359" v="641" actId="767"/>
+          <ac:spMkLst>
+            <pc:docMk/>
+            <pc:sldMk cId="546149401" sldId="259"/>
+            <ac:spMk id="5" creationId="{63899C3B-5A84-0B4F-B6F4-6771ED40AC6E}"/>
+          </ac:spMkLst>
+        </pc:spChg>
+        <pc:spChg chg="add del">
+          <ac:chgData name="Karl La Grassa" userId="598be429c4e50114" providerId="LiveId" clId="{405757E6-D4E6-D044-98D8-0C142B7FD65C}" dt="2021-10-29T12:15:51.615" v="861" actId="26606"/>
+          <ac:spMkLst>
+            <pc:docMk/>
+            <pc:sldMk cId="546149401" sldId="259"/>
+            <ac:spMk id="15" creationId="{1E954AF0-B5CC-4A16-ACDA-675B5694F2C8}"/>
+          </ac:spMkLst>
+        </pc:spChg>
+        <pc:spChg chg="add del">
+          <ac:chgData name="Karl La Grassa" userId="598be429c4e50114" providerId="LiveId" clId="{405757E6-D4E6-D044-98D8-0C142B7FD65C}" dt="2021-10-29T12:15:51.615" v="861" actId="26606"/>
+          <ac:spMkLst>
+            <pc:docMk/>
+            <pc:sldMk cId="546149401" sldId="259"/>
+            <ac:spMk id="17" creationId="{325322DD-3792-4947-A96A-1B6D9D786960}"/>
+          </ac:spMkLst>
+        </pc:spChg>
+        <pc:grpChg chg="add del">
+          <ac:chgData name="Karl La Grassa" userId="598be429c4e50114" providerId="LiveId" clId="{405757E6-D4E6-D044-98D8-0C142B7FD65C}" dt="2021-10-29T12:15:51.615" v="861" actId="26606"/>
+          <ac:grpSpMkLst>
+            <pc:docMk/>
+            <pc:sldMk cId="546149401" sldId="259"/>
+            <ac:grpSpMk id="11" creationId="{449BC34D-9C23-4D6D-8213-1F471AF85B3F}"/>
+          </ac:grpSpMkLst>
+        </pc:grpChg>
+        <pc:picChg chg="add mod">
+          <ac:chgData name="Karl La Grassa" userId="598be429c4e50114" providerId="LiveId" clId="{405757E6-D4E6-D044-98D8-0C142B7FD65C}" dt="2021-11-08T18:59:18.675" v="2188" actId="14100"/>
+          <ac:picMkLst>
+            <pc:docMk/>
+            <pc:sldMk cId="546149401" sldId="259"/>
+            <ac:picMk id="3" creationId="{0A076ED8-F0A1-644F-B889-0F803A6FC4AD}"/>
+          </ac:picMkLst>
+        </pc:picChg>
+        <pc:picChg chg="add del mod">
+          <ac:chgData name="Karl La Grassa" userId="598be429c4e50114" providerId="LiveId" clId="{405757E6-D4E6-D044-98D8-0C142B7FD65C}" dt="2021-10-29T12:14:03.762" v="847" actId="478"/>
+          <ac:picMkLst>
+            <pc:docMk/>
+            <pc:sldMk cId="546149401" sldId="259"/>
+            <ac:picMk id="4" creationId="{2942A2B2-CA4D-B94F-BC62-C065E66B0D5E}"/>
+          </ac:picMkLst>
+        </pc:picChg>
+        <pc:picChg chg="add del mod ord">
+          <ac:chgData name="Karl La Grassa" userId="598be429c4e50114" providerId="LiveId" clId="{405757E6-D4E6-D044-98D8-0C142B7FD65C}" dt="2021-10-29T12:16:06.581" v="869"/>
+          <ac:picMkLst>
+            <pc:docMk/>
+            <pc:sldMk cId="546149401" sldId="259"/>
+            <ac:picMk id="6" creationId="{AE17D36A-5167-0740-A252-12FF3CAE3521}"/>
+          </ac:picMkLst>
+        </pc:picChg>
+        <pc:picChg chg="add del mod">
+          <ac:chgData name="Karl La Grassa" userId="598be429c4e50114" providerId="LiveId" clId="{405757E6-D4E6-D044-98D8-0C142B7FD65C}" dt="2021-10-29T12:51:02.273" v="1405" actId="478"/>
+          <ac:picMkLst>
+            <pc:docMk/>
+            <pc:sldMk cId="546149401" sldId="259"/>
+            <ac:picMk id="7" creationId="{344AA32F-E2B0-854F-BF6B-63608E9F0B5B}"/>
+          </ac:picMkLst>
+        </pc:picChg>
       </pc:sldChg>
-      <pc:sldChg chg="modSp new mod">
-        <pc:chgData name="Karl La Grassa" userId="598be429c4e50114" providerId="LiveId" clId="{405757E6-D4E6-D044-98D8-0C142B7FD65C}" dt="2021-10-29T10:09:47.596" v="637" actId="20577"/>
+      <pc:sldChg chg="addSp delSp modSp new mod setBg setClrOvrMap">
+        <pc:chgData name="Karl La Grassa" userId="598be429c4e50114" providerId="LiveId" clId="{405757E6-D4E6-D044-98D8-0C142B7FD65C}" dt="2021-10-29T12:51:42.608" v="1424" actId="1076"/>
         <pc:sldMkLst>
           <pc:docMk/>
           <pc:sldMk cId="988633631" sldId="260"/>
         </pc:sldMkLst>
-        <pc:spChg chg="mod">
-          <ac:chgData name="Karl La Grassa" userId="598be429c4e50114" providerId="LiveId" clId="{405757E6-D4E6-D044-98D8-0C142B7FD65C}" dt="2021-10-29T10:09:47.596" v="637" actId="20577"/>
+        <pc:spChg chg="mod ord">
+          <ac:chgData name="Karl La Grassa" userId="598be429c4e50114" providerId="LiveId" clId="{405757E6-D4E6-D044-98D8-0C142B7FD65C}" dt="2021-10-29T12:23:15.076" v="903" actId="20577"/>
           <ac:spMkLst>
             <pc:docMk/>
             <pc:sldMk cId="988633631" sldId="260"/>
             <ac:spMk id="2" creationId="{9D4F1A7D-0D73-BF4C-8DBE-2FC077985734}"/>
           </ac:spMkLst>
         </pc:spChg>
+        <pc:spChg chg="del">
+          <ac:chgData name="Karl La Grassa" userId="598be429c4e50114" providerId="LiveId" clId="{405757E6-D4E6-D044-98D8-0C142B7FD65C}" dt="2021-10-29T12:14:55.127" v="848" actId="478"/>
+          <ac:spMkLst>
+            <pc:docMk/>
+            <pc:sldMk cId="988633631" sldId="260"/>
+            <ac:spMk id="3" creationId="{B8EE1C98-BCF4-4844-9EFD-D0F76E41F816}"/>
+          </ac:spMkLst>
+        </pc:spChg>
+        <pc:spChg chg="add del">
+          <ac:chgData name="Karl La Grassa" userId="598be429c4e50114" providerId="LiveId" clId="{405757E6-D4E6-D044-98D8-0C142B7FD65C}" dt="2021-10-29T12:16:07.135" v="870" actId="26606"/>
+          <ac:spMkLst>
+            <pc:docMk/>
+            <pc:sldMk cId="988633631" sldId="260"/>
+            <ac:spMk id="13" creationId="{1E954AF0-B5CC-4A16-ACDA-675B5694F2C8}"/>
+          </ac:spMkLst>
+        </pc:spChg>
+        <pc:spChg chg="add del">
+          <ac:chgData name="Karl La Grassa" userId="598be429c4e50114" providerId="LiveId" clId="{405757E6-D4E6-D044-98D8-0C142B7FD65C}" dt="2021-10-29T12:16:07.135" v="870" actId="26606"/>
+          <ac:spMkLst>
+            <pc:docMk/>
+            <pc:sldMk cId="988633631" sldId="260"/>
+            <ac:spMk id="15" creationId="{325322DD-3792-4947-A96A-1B6D9D786960}"/>
+          </ac:spMkLst>
+        </pc:spChg>
+        <pc:grpChg chg="add del">
+          <ac:chgData name="Karl La Grassa" userId="598be429c4e50114" providerId="LiveId" clId="{405757E6-D4E6-D044-98D8-0C142B7FD65C}" dt="2021-10-29T12:16:07.135" v="870" actId="26606"/>
+          <ac:grpSpMkLst>
+            <pc:docMk/>
+            <pc:sldMk cId="988633631" sldId="260"/>
+            <ac:grpSpMk id="9" creationId="{449BC34D-9C23-4D6D-8213-1F471AF85B3F}"/>
+          </ac:grpSpMkLst>
+        </pc:grpChg>
+        <pc:picChg chg="add del mod">
+          <ac:chgData name="Karl La Grassa" userId="598be429c4e50114" providerId="LiveId" clId="{405757E6-D4E6-D044-98D8-0C142B7FD65C}" dt="2021-10-29T12:51:12.839" v="1418" actId="478"/>
+          <ac:picMkLst>
+            <pc:docMk/>
+            <pc:sldMk cId="988633631" sldId="260"/>
+            <ac:picMk id="4" creationId="{03801F83-E364-6740-B57F-40B0EF83C5EF}"/>
+          </ac:picMkLst>
+        </pc:picChg>
+        <pc:picChg chg="add mod">
+          <ac:chgData name="Karl La Grassa" userId="598be429c4e50114" providerId="LiveId" clId="{405757E6-D4E6-D044-98D8-0C142B7FD65C}" dt="2021-10-29T12:51:42.608" v="1424" actId="1076"/>
+          <ac:picMkLst>
+            <pc:docMk/>
+            <pc:sldMk cId="988633631" sldId="260"/>
+            <ac:picMk id="5" creationId="{32E6F9B1-ED6E-E24C-A510-4D6939BED96D}"/>
+          </ac:picMkLst>
+        </pc:picChg>
+      </pc:sldChg>
+      <pc:sldChg chg="modSp new mod addCm delCm modCm modNotesTx">
+        <pc:chgData name="Karl La Grassa" userId="598be429c4e50114" providerId="LiveId" clId="{405757E6-D4E6-D044-98D8-0C142B7FD65C}" dt="2021-11-08T13:48:28.061" v="2184" actId="33524"/>
+        <pc:sldMkLst>
+          <pc:docMk/>
+          <pc:sldMk cId="414694194" sldId="261"/>
+        </pc:sldMkLst>
+        <pc:spChg chg="mod">
+          <ac:chgData name="Karl La Grassa" userId="598be429c4e50114" providerId="LiveId" clId="{405757E6-D4E6-D044-98D8-0C142B7FD65C}" dt="2021-11-08T13:11:28.581" v="1988" actId="20577"/>
+          <ac:spMkLst>
+            <pc:docMk/>
+            <pc:sldMk cId="414694194" sldId="261"/>
+            <ac:spMk id="2" creationId="{2C74D44C-B0F8-4C48-AE53-884E68E3A614}"/>
+          </ac:spMkLst>
+        </pc:spChg>
+        <pc:spChg chg="mod">
+          <ac:chgData name="Karl La Grassa" userId="598be429c4e50114" providerId="LiveId" clId="{405757E6-D4E6-D044-98D8-0C142B7FD65C}" dt="2021-11-08T13:15:23.230" v="2035" actId="20577"/>
+          <ac:spMkLst>
+            <pc:docMk/>
+            <pc:sldMk cId="414694194" sldId="261"/>
+            <ac:spMk id="3" creationId="{1F08AC6A-A1E1-FB4E-9F38-4FC63E230478}"/>
+          </ac:spMkLst>
+        </pc:spChg>
       </pc:sldChg>
     </pc:docChg>
   </pc:docChgLst>
 </pc:chgInfo>
+</file>
+
+<file path=ppt/notesMasters/notesMaster1.xml><?xml version="1.0" encoding="utf-8"?>
+<p:notesMaster xmlns:a="http://schemas.openxmlformats.org/drawingml/2006/main" xmlns:r="http://schemas.openxmlformats.org/officeDocument/2006/relationships" xmlns:p="http://schemas.openxmlformats.org/presentationml/2006/main">
+  <p:cSld>
+    <p:bg>
+      <p:bgRef idx="1001">
+        <a:schemeClr val="bg1"/>
+      </p:bgRef>
+    </p:bg>
+    <p:spTree>
+      <p:nvGrpSpPr>
+        <p:cNvPr id="1" name=""/>
+        <p:cNvGrpSpPr/>
+        <p:nvPr/>
+      </p:nvGrpSpPr>
+      <p:grpSpPr>
+        <a:xfrm>
+          <a:off x="0" y="0"/>
+          <a:ext cx="0" cy="0"/>
+          <a:chOff x="0" y="0"/>
+          <a:chExt cx="0" cy="0"/>
+        </a:xfrm>
+      </p:grpSpPr>
+      <p:sp>
+        <p:nvSpPr>
+          <p:cNvPr id="2" name="Espace réservé de l'en-tête 1"/>
+          <p:cNvSpPr>
+            <a:spLocks noGrp="1"/>
+          </p:cNvSpPr>
+          <p:nvPr>
+            <p:ph type="hdr" sz="quarter"/>
+          </p:nvPr>
+        </p:nvSpPr>
+        <p:spPr>
+          <a:xfrm>
+            <a:off x="0" y="0"/>
+            <a:ext cx="2971800" cy="458788"/>
+          </a:xfrm>
+          <a:prstGeom prst="rect">
+            <a:avLst/>
+          </a:prstGeom>
+        </p:spPr>
+        <p:txBody>
+          <a:bodyPr vert="horz" lIns="91440" tIns="45720" rIns="91440" bIns="45720" rtlCol="0"/>
+          <a:lstStyle>
+            <a:lvl1pPr algn="l">
+              <a:defRPr sz="1200"/>
+            </a:lvl1pPr>
+          </a:lstStyle>
+          <a:p>
+            <a:endParaRPr lang="fr-FR"/>
+          </a:p>
+        </p:txBody>
+      </p:sp>
+      <p:sp>
+        <p:nvSpPr>
+          <p:cNvPr id="3" name="Espace réservé de la date 2"/>
+          <p:cNvSpPr>
+            <a:spLocks noGrp="1"/>
+          </p:cNvSpPr>
+          <p:nvPr>
+            <p:ph type="dt" idx="1"/>
+          </p:nvPr>
+        </p:nvSpPr>
+        <p:spPr>
+          <a:xfrm>
+            <a:off x="3884613" y="0"/>
+            <a:ext cx="2971800" cy="458788"/>
+          </a:xfrm>
+          <a:prstGeom prst="rect">
+            <a:avLst/>
+          </a:prstGeom>
+        </p:spPr>
+        <p:txBody>
+          <a:bodyPr vert="horz" lIns="91440" tIns="45720" rIns="91440" bIns="45720" rtlCol="0"/>
+          <a:lstStyle>
+            <a:lvl1pPr algn="r">
+              <a:defRPr sz="1200"/>
+            </a:lvl1pPr>
+          </a:lstStyle>
+          <a:p>
+            <a:fld id="{C087B5CB-4C39-3A4F-BE4E-83ACC8C4503F}" type="datetimeFigureOut">
+              <a:rPr lang="fr-FR" smtClean="0"/>
+              <a:t>08/11/2021</a:t>
+            </a:fld>
+            <a:endParaRPr lang="fr-FR"/>
+          </a:p>
+        </p:txBody>
+      </p:sp>
+      <p:sp>
+        <p:nvSpPr>
+          <p:cNvPr id="4" name="Espace réservé de l'image des diapositives 3"/>
+          <p:cNvSpPr>
+            <a:spLocks noGrp="1" noRot="1" noChangeAspect="1"/>
+          </p:cNvSpPr>
+          <p:nvPr>
+            <p:ph type="sldImg" idx="2"/>
+          </p:nvPr>
+        </p:nvSpPr>
+        <p:spPr>
+          <a:xfrm>
+            <a:off x="685800" y="1143000"/>
+            <a:ext cx="5486400" cy="3086100"/>
+          </a:xfrm>
+          <a:prstGeom prst="rect">
+            <a:avLst/>
+          </a:prstGeom>
+          <a:noFill/>
+          <a:ln w="12700">
+            <a:solidFill>
+              <a:prstClr val="black"/>
+            </a:solidFill>
+          </a:ln>
+        </p:spPr>
+        <p:txBody>
+          <a:bodyPr vert="horz" lIns="91440" tIns="45720" rIns="91440" bIns="45720" rtlCol="0" anchor="ctr"/>
+          <a:lstStyle/>
+          <a:p>
+            <a:endParaRPr lang="fr-FR"/>
+          </a:p>
+        </p:txBody>
+      </p:sp>
+      <p:sp>
+        <p:nvSpPr>
+          <p:cNvPr id="5" name="Espace réservé des notes 4"/>
+          <p:cNvSpPr>
+            <a:spLocks noGrp="1"/>
+          </p:cNvSpPr>
+          <p:nvPr>
+            <p:ph type="body" sz="quarter" idx="3"/>
+          </p:nvPr>
+        </p:nvSpPr>
+        <p:spPr>
+          <a:xfrm>
+            <a:off x="685800" y="4400550"/>
+            <a:ext cx="5486400" cy="3600450"/>
+          </a:xfrm>
+          <a:prstGeom prst="rect">
+            <a:avLst/>
+          </a:prstGeom>
+        </p:spPr>
+        <p:txBody>
+          <a:bodyPr vert="horz" lIns="91440" tIns="45720" rIns="91440" bIns="45720" rtlCol="0"/>
+          <a:lstStyle/>
+          <a:p>
+            <a:pPr lvl="0"/>
+            <a:r>
+              <a:rPr lang="fr-FR"/>
+              <a:t>Cliquez pour modifier les styles du texte du masque</a:t>
+            </a:r>
+          </a:p>
+          <a:p>
+            <a:pPr lvl="1"/>
+            <a:r>
+              <a:rPr lang="fr-FR"/>
+              <a:t>Deuxième niveau</a:t>
+            </a:r>
+          </a:p>
+          <a:p>
+            <a:pPr lvl="2"/>
+            <a:r>
+              <a:rPr lang="fr-FR"/>
+              <a:t>Troisième niveau</a:t>
+            </a:r>
+          </a:p>
+          <a:p>
+            <a:pPr lvl="3"/>
+            <a:r>
+              <a:rPr lang="fr-FR"/>
+              <a:t>Quatrième niveau</a:t>
+            </a:r>
+          </a:p>
+          <a:p>
+            <a:pPr lvl="4"/>
+            <a:r>
+              <a:rPr lang="fr-FR"/>
+              <a:t>Cinquième niveau</a:t>
+            </a:r>
+          </a:p>
+        </p:txBody>
+      </p:sp>
+      <p:sp>
+        <p:nvSpPr>
+          <p:cNvPr id="6" name="Espace réservé du pied de page 5"/>
+          <p:cNvSpPr>
+            <a:spLocks noGrp="1"/>
+          </p:cNvSpPr>
+          <p:nvPr>
+            <p:ph type="ftr" sz="quarter" idx="4"/>
+          </p:nvPr>
+        </p:nvSpPr>
+        <p:spPr>
+          <a:xfrm>
+            <a:off x="0" y="8685213"/>
+            <a:ext cx="2971800" cy="458787"/>
+          </a:xfrm>
+          <a:prstGeom prst="rect">
+            <a:avLst/>
+          </a:prstGeom>
+        </p:spPr>
+        <p:txBody>
+          <a:bodyPr vert="horz" lIns="91440" tIns="45720" rIns="91440" bIns="45720" rtlCol="0" anchor="b"/>
+          <a:lstStyle>
+            <a:lvl1pPr algn="l">
+              <a:defRPr sz="1200"/>
+            </a:lvl1pPr>
+          </a:lstStyle>
+          <a:p>
+            <a:endParaRPr lang="fr-FR"/>
+          </a:p>
+        </p:txBody>
+      </p:sp>
+      <p:sp>
+        <p:nvSpPr>
+          <p:cNvPr id="7" name="Espace réservé du numéro de diapositive 6"/>
+          <p:cNvSpPr>
+            <a:spLocks noGrp="1"/>
+          </p:cNvSpPr>
+          <p:nvPr>
+            <p:ph type="sldNum" sz="quarter" idx="5"/>
+          </p:nvPr>
+        </p:nvSpPr>
+        <p:spPr>
+          <a:xfrm>
+            <a:off x="3884613" y="8685213"/>
+            <a:ext cx="2971800" cy="458787"/>
+          </a:xfrm>
+          <a:prstGeom prst="rect">
+            <a:avLst/>
+          </a:prstGeom>
+        </p:spPr>
+        <p:txBody>
+          <a:bodyPr vert="horz" lIns="91440" tIns="45720" rIns="91440" bIns="45720" rtlCol="0" anchor="b"/>
+          <a:lstStyle>
+            <a:lvl1pPr algn="r">
+              <a:defRPr sz="1200"/>
+            </a:lvl1pPr>
+          </a:lstStyle>
+          <a:p>
+            <a:fld id="{6465C638-4572-9440-81E7-E059EFD4A429}" type="slidenum">
+              <a:rPr lang="fr-FR" smtClean="0"/>
+              <a:t>‹N°›</a:t>
+            </a:fld>
+            <a:endParaRPr lang="fr-FR"/>
+          </a:p>
+        </p:txBody>
+      </p:sp>
+    </p:spTree>
+    <p:extLst>
+      <p:ext uri="{BB962C8B-B14F-4D97-AF65-F5344CB8AC3E}">
+        <p14:creationId xmlns:p14="http://schemas.microsoft.com/office/powerpoint/2010/main" val="386825948"/>
+      </p:ext>
+    </p:extLst>
+  </p:cSld>
+  <p:clrMap bg1="lt1" tx1="dk1" bg2="lt2" tx2="dk2" accent1="accent1" accent2="accent2" accent3="accent3" accent4="accent4" accent5="accent5" accent6="accent6" hlink="hlink" folHlink="folHlink"/>
+  <p:notesStyle>
+    <a:lvl1pPr marL="0" algn="l" defTabSz="914400" rtl="0" eaLnBrk="1" latinLnBrk="0" hangingPunct="1">
+      <a:defRPr sz="1200" kern="1200">
+        <a:solidFill>
+          <a:schemeClr val="tx1"/>
+        </a:solidFill>
+        <a:latin typeface="+mn-lt"/>
+        <a:ea typeface="+mn-ea"/>
+        <a:cs typeface="+mn-cs"/>
+      </a:defRPr>
+    </a:lvl1pPr>
+    <a:lvl2pPr marL="457200" algn="l" defTabSz="914400" rtl="0" eaLnBrk="1" latinLnBrk="0" hangingPunct="1">
+      <a:defRPr sz="1200" kern="1200">
+        <a:solidFill>
+          <a:schemeClr val="tx1"/>
+        </a:solidFill>
+        <a:latin typeface="+mn-lt"/>
+        <a:ea typeface="+mn-ea"/>
+        <a:cs typeface="+mn-cs"/>
+      </a:defRPr>
+    </a:lvl2pPr>
+    <a:lvl3pPr marL="914400" algn="l" defTabSz="914400" rtl="0" eaLnBrk="1" latinLnBrk="0" hangingPunct="1">
+      <a:defRPr sz="1200" kern="1200">
+        <a:solidFill>
+          <a:schemeClr val="tx1"/>
+        </a:solidFill>
+        <a:latin typeface="+mn-lt"/>
+        <a:ea typeface="+mn-ea"/>
+        <a:cs typeface="+mn-cs"/>
+      </a:defRPr>
+    </a:lvl3pPr>
+    <a:lvl4pPr marL="1371600" algn="l" defTabSz="914400" rtl="0" eaLnBrk="1" latinLnBrk="0" hangingPunct="1">
+      <a:defRPr sz="1200" kern="1200">
+        <a:solidFill>
+          <a:schemeClr val="tx1"/>
+        </a:solidFill>
+        <a:latin typeface="+mn-lt"/>
+        <a:ea typeface="+mn-ea"/>
+        <a:cs typeface="+mn-cs"/>
+      </a:defRPr>
+    </a:lvl4pPr>
+    <a:lvl5pPr marL="1828800" algn="l" defTabSz="914400" rtl="0" eaLnBrk="1" latinLnBrk="0" hangingPunct="1">
+      <a:defRPr sz="1200" kern="1200">
+        <a:solidFill>
+          <a:schemeClr val="tx1"/>
+        </a:solidFill>
+        <a:latin typeface="+mn-lt"/>
+        <a:ea typeface="+mn-ea"/>
+        <a:cs typeface="+mn-cs"/>
+      </a:defRPr>
+    </a:lvl5pPr>
+    <a:lvl6pPr marL="2286000" algn="l" defTabSz="914400" rtl="0" eaLnBrk="1" latinLnBrk="0" hangingPunct="1">
+      <a:defRPr sz="1200" kern="1200">
+        <a:solidFill>
+          <a:schemeClr val="tx1"/>
+        </a:solidFill>
+        <a:latin typeface="+mn-lt"/>
+        <a:ea typeface="+mn-ea"/>
+        <a:cs typeface="+mn-cs"/>
+      </a:defRPr>
+    </a:lvl6pPr>
+    <a:lvl7pPr marL="2743200" algn="l" defTabSz="914400" rtl="0" eaLnBrk="1" latinLnBrk="0" hangingPunct="1">
+      <a:defRPr sz="1200" kern="1200">
+        <a:solidFill>
+          <a:schemeClr val="tx1"/>
+        </a:solidFill>
+        <a:latin typeface="+mn-lt"/>
+        <a:ea typeface="+mn-ea"/>
+        <a:cs typeface="+mn-cs"/>
+      </a:defRPr>
+    </a:lvl7pPr>
+    <a:lvl8pPr marL="3200400" algn="l" defTabSz="914400" rtl="0" eaLnBrk="1" latinLnBrk="0" hangingPunct="1">
+      <a:defRPr sz="1200" kern="1200">
+        <a:solidFill>
+          <a:schemeClr val="tx1"/>
+        </a:solidFill>
+        <a:latin typeface="+mn-lt"/>
+        <a:ea typeface="+mn-ea"/>
+        <a:cs typeface="+mn-cs"/>
+      </a:defRPr>
+    </a:lvl8pPr>
+    <a:lvl9pPr marL="3657600" algn="l" defTabSz="914400" rtl="0" eaLnBrk="1" latinLnBrk="0" hangingPunct="1">
+      <a:defRPr sz="1200" kern="1200">
+        <a:solidFill>
+          <a:schemeClr val="tx1"/>
+        </a:solidFill>
+        <a:latin typeface="+mn-lt"/>
+        <a:ea typeface="+mn-ea"/>
+        <a:cs typeface="+mn-cs"/>
+      </a:defRPr>
+    </a:lvl9pPr>
+  </p:notesStyle>
+</p:notesMaster>
+</file>
+
+<file path=ppt/notesSlides/notesSlide1.xml><?xml version="1.0" encoding="utf-8"?>
+<p:notes xmlns:a="http://schemas.openxmlformats.org/drawingml/2006/main" xmlns:r="http://schemas.openxmlformats.org/officeDocument/2006/relationships" xmlns:p="http://schemas.openxmlformats.org/presentationml/2006/main">
+  <p:cSld>
+    <p:spTree>
+      <p:nvGrpSpPr>
+        <p:cNvPr id="1" name=""/>
+        <p:cNvGrpSpPr/>
+        <p:nvPr/>
+      </p:nvGrpSpPr>
+      <p:grpSpPr>
+        <a:xfrm>
+          <a:off x="0" y="0"/>
+          <a:ext cx="0" cy="0"/>
+          <a:chOff x="0" y="0"/>
+          <a:chExt cx="0" cy="0"/>
+        </a:xfrm>
+      </p:grpSpPr>
+      <p:sp>
+        <p:nvSpPr>
+          <p:cNvPr id="2" name="Espace réservé de l'image des diapositives 1"/>
+          <p:cNvSpPr>
+            <a:spLocks noGrp="1" noRot="1" noChangeAspect="1"/>
+          </p:cNvSpPr>
+          <p:nvPr>
+            <p:ph type="sldImg"/>
+          </p:nvPr>
+        </p:nvSpPr>
+        <p:spPr/>
+      </p:sp>
+      <p:sp>
+        <p:nvSpPr>
+          <p:cNvPr id="3" name="Espace réservé des notes 2"/>
+          <p:cNvSpPr>
+            <a:spLocks noGrp="1"/>
+          </p:cNvSpPr>
+          <p:nvPr>
+            <p:ph type="body" idx="1"/>
+          </p:nvPr>
+        </p:nvSpPr>
+        <p:spPr/>
+        <p:txBody>
+          <a:bodyPr/>
+          <a:lstStyle/>
+          <a:p>
+            <a:pPr marL="0" marR="0" lvl="0" indent="0" algn="l" defTabSz="914400" rtl="0" eaLnBrk="1" fontAlgn="auto" latinLnBrk="0" hangingPunct="1">
+              <a:lnSpc>
+                <a:spcPct val="100000"/>
+              </a:lnSpc>
+              <a:spcBef>
+                <a:spcPts val="0"/>
+              </a:spcBef>
+              <a:spcAft>
+                <a:spcPts val="0"/>
+              </a:spcAft>
+              <a:buClrTx/>
+              <a:buSzTx/>
+              <a:buFontTx/>
+              <a:buNone/>
+              <a:tabLst/>
+              <a:defRPr/>
+            </a:pPr>
+            <a:r>
+              <a:rPr lang="fr-FR" dirty="0">
+                <a:solidFill>
+                  <a:srgbClr val="3F3F3F"/>
+                </a:solidFill>
+                <a:effectLst/>
+                <a:latin typeface="Helvetica" pitchFamily="2" charset="0"/>
+              </a:rPr>
+              <a:t>Les design pattern comportementaux permettent de « fluidifier » les processus de commandes et de contrôles entre les classes</a:t>
+            </a:r>
+          </a:p>
+          <a:p>
+            <a:endParaRPr lang="fr-FR" dirty="0"/>
+          </a:p>
+        </p:txBody>
+      </p:sp>
+      <p:sp>
+        <p:nvSpPr>
+          <p:cNvPr id="4" name="Espace réservé du numéro de diapositive 3"/>
+          <p:cNvSpPr>
+            <a:spLocks noGrp="1"/>
+          </p:cNvSpPr>
+          <p:nvPr>
+            <p:ph type="sldNum" sz="quarter" idx="5"/>
+          </p:nvPr>
+        </p:nvSpPr>
+        <p:spPr/>
+        <p:txBody>
+          <a:bodyPr/>
+          <a:lstStyle/>
+          <a:p>
+            <a:fld id="{6465C638-4572-9440-81E7-E059EFD4A429}" type="slidenum">
+              <a:rPr lang="fr-FR" smtClean="0"/>
+              <a:t>2</a:t>
+            </a:fld>
+            <a:endParaRPr lang="fr-FR"/>
+          </a:p>
+        </p:txBody>
+      </p:sp>
+    </p:spTree>
+    <p:extLst>
+      <p:ext uri="{BB962C8B-B14F-4D97-AF65-F5344CB8AC3E}">
+        <p14:creationId xmlns:p14="http://schemas.microsoft.com/office/powerpoint/2010/main" val="2379607043"/>
+      </p:ext>
+    </p:extLst>
+  </p:cSld>
+  <p:clrMapOvr>
+    <a:masterClrMapping/>
+  </p:clrMapOvr>
+</p:notes>
+</file>
+
+<file path=ppt/notesSlides/notesSlide2.xml><?xml version="1.0" encoding="utf-8"?>
+<p:notes xmlns:a="http://schemas.openxmlformats.org/drawingml/2006/main" xmlns:r="http://schemas.openxmlformats.org/officeDocument/2006/relationships" xmlns:p="http://schemas.openxmlformats.org/presentationml/2006/main">
+  <p:cSld>
+    <p:spTree>
+      <p:nvGrpSpPr>
+        <p:cNvPr id="1" name=""/>
+        <p:cNvGrpSpPr/>
+        <p:nvPr/>
+      </p:nvGrpSpPr>
+      <p:grpSpPr>
+        <a:xfrm>
+          <a:off x="0" y="0"/>
+          <a:ext cx="0" cy="0"/>
+          <a:chOff x="0" y="0"/>
+          <a:chExt cx="0" cy="0"/>
+        </a:xfrm>
+      </p:grpSpPr>
+      <p:sp>
+        <p:nvSpPr>
+          <p:cNvPr id="2" name="Espace réservé de l'image des diapositives 1"/>
+          <p:cNvSpPr>
+            <a:spLocks noGrp="1" noRot="1" noChangeAspect="1"/>
+          </p:cNvSpPr>
+          <p:nvPr>
+            <p:ph type="sldImg"/>
+          </p:nvPr>
+        </p:nvSpPr>
+        <p:spPr/>
+      </p:sp>
+      <p:sp>
+        <p:nvSpPr>
+          <p:cNvPr id="3" name="Espace réservé des notes 2"/>
+          <p:cNvSpPr>
+            <a:spLocks noGrp="1"/>
+          </p:cNvSpPr>
+          <p:nvPr>
+            <p:ph type="body" idx="1"/>
+          </p:nvPr>
+        </p:nvSpPr>
+        <p:spPr/>
+        <p:txBody>
+          <a:bodyPr/>
+          <a:lstStyle/>
+          <a:p>
+            <a:pPr marL="0" marR="0" lvl="0" indent="0" algn="l" defTabSz="914400" rtl="0" eaLnBrk="1" fontAlgn="auto" latinLnBrk="0" hangingPunct="1">
+              <a:lnSpc>
+                <a:spcPct val="100000"/>
+              </a:lnSpc>
+              <a:spcBef>
+                <a:spcPts val="0"/>
+              </a:spcBef>
+              <a:spcAft>
+                <a:spcPts val="0"/>
+              </a:spcAft>
+              <a:buClrTx/>
+              <a:buSzTx/>
+              <a:buFontTx/>
+              <a:buNone/>
+              <a:tabLst/>
+              <a:defRPr/>
+            </a:pPr>
+            <a:r>
+              <a:rPr lang="fr-FR" dirty="0">
+                <a:solidFill>
+                  <a:srgbClr val="3F3F3F"/>
+                </a:solidFill>
+                <a:effectLst/>
+                <a:latin typeface="Helvetica" pitchFamily="2" charset="0"/>
+              </a:rPr>
+              <a:t>Gains de performances parce que moins de calculs, dans les systèmes embarqués cela veut dire moins de consommation donc gain d’énergie</a:t>
+            </a:r>
+          </a:p>
+          <a:p>
+            <a:endParaRPr lang="fr-FR" dirty="0"/>
+          </a:p>
+        </p:txBody>
+      </p:sp>
+      <p:sp>
+        <p:nvSpPr>
+          <p:cNvPr id="4" name="Espace réservé du numéro de diapositive 3"/>
+          <p:cNvSpPr>
+            <a:spLocks noGrp="1"/>
+          </p:cNvSpPr>
+          <p:nvPr>
+            <p:ph type="sldNum" sz="quarter" idx="5"/>
+          </p:nvPr>
+        </p:nvSpPr>
+        <p:spPr/>
+        <p:txBody>
+          <a:bodyPr/>
+          <a:lstStyle/>
+          <a:p>
+            <a:fld id="{6465C638-4572-9440-81E7-E059EFD4A429}" type="slidenum">
+              <a:rPr lang="fr-FR" smtClean="0"/>
+              <a:t>6</a:t>
+            </a:fld>
+            <a:endParaRPr lang="fr-FR"/>
+          </a:p>
+        </p:txBody>
+      </p:sp>
+    </p:spTree>
+    <p:extLst>
+      <p:ext uri="{BB962C8B-B14F-4D97-AF65-F5344CB8AC3E}">
+        <p14:creationId xmlns:p14="http://schemas.microsoft.com/office/powerpoint/2010/main" val="685576950"/>
+      </p:ext>
+    </p:extLst>
+  </p:cSld>
+  <p:clrMapOvr>
+    <a:masterClrMapping/>
+  </p:clrMapOvr>
+</p:notes>
 </file>
 
 <file path=ppt/slideLayouts/slideLayout1.xml><?xml version="1.0" encoding="utf-8"?>
@@ -393,7 +1150,7 @@
           <a:p>
             <a:fld id="{55F56711-D5A6-9E45-BD22-9347A5F03FFE}" type="datetimeFigureOut">
               <a:rPr lang="fr-FR" smtClean="0"/>
-              <a:t>29/10/2021</a:t>
+              <a:t>08/11/2021</a:t>
             </a:fld>
             <a:endParaRPr lang="fr-FR"/>
           </a:p>
@@ -723,7 +1480,7 @@
           <a:p>
             <a:fld id="{55F56711-D5A6-9E45-BD22-9347A5F03FFE}" type="datetimeFigureOut">
               <a:rPr lang="fr-FR" smtClean="0"/>
-              <a:t>29/10/2021</a:t>
+              <a:t>08/11/2021</a:t>
             </a:fld>
             <a:endParaRPr lang="fr-FR"/>
           </a:p>
@@ -903,7 +1660,7 @@
           <a:p>
             <a:fld id="{55F56711-D5A6-9E45-BD22-9347A5F03FFE}" type="datetimeFigureOut">
               <a:rPr lang="fr-FR" smtClean="0"/>
-              <a:t>29/10/2021</a:t>
+              <a:t>08/11/2021</a:t>
             </a:fld>
             <a:endParaRPr lang="fr-FR"/>
           </a:p>
@@ -1073,7 +1830,7 @@
           <a:p>
             <a:fld id="{55F56711-D5A6-9E45-BD22-9347A5F03FFE}" type="datetimeFigureOut">
               <a:rPr lang="fr-FR" smtClean="0"/>
-              <a:t>29/10/2021</a:t>
+              <a:t>08/11/2021</a:t>
             </a:fld>
             <a:endParaRPr lang="fr-FR"/>
           </a:p>
@@ -1350,7 +2107,7 @@
           <a:p>
             <a:fld id="{55F56711-D5A6-9E45-BD22-9347A5F03FFE}" type="datetimeFigureOut">
               <a:rPr lang="fr-FR" smtClean="0"/>
-              <a:t>29/10/2021</a:t>
+              <a:t>08/11/2021</a:t>
             </a:fld>
             <a:endParaRPr lang="fr-FR"/>
           </a:p>
@@ -1744,7 +2501,7 @@
           <a:p>
             <a:fld id="{55F56711-D5A6-9E45-BD22-9347A5F03FFE}" type="datetimeFigureOut">
               <a:rPr lang="fr-FR" smtClean="0"/>
-              <a:t>29/10/2021</a:t>
+              <a:t>08/11/2021</a:t>
             </a:fld>
             <a:endParaRPr lang="fr-FR"/>
           </a:p>
@@ -2221,7 +2978,7 @@
           <a:p>
             <a:fld id="{55F56711-D5A6-9E45-BD22-9347A5F03FFE}" type="datetimeFigureOut">
               <a:rPr lang="fr-FR" smtClean="0"/>
-              <a:t>29/10/2021</a:t>
+              <a:t>08/11/2021</a:t>
             </a:fld>
             <a:endParaRPr lang="fr-FR"/>
           </a:p>
@@ -2339,7 +3096,7 @@
           <a:p>
             <a:fld id="{55F56711-D5A6-9E45-BD22-9347A5F03FFE}" type="datetimeFigureOut">
               <a:rPr lang="fr-FR" smtClean="0"/>
-              <a:t>29/10/2021</a:t>
+              <a:t>08/11/2021</a:t>
             </a:fld>
             <a:endParaRPr lang="fr-FR"/>
           </a:p>
@@ -2434,7 +3191,7 @@
           <a:p>
             <a:fld id="{55F56711-D5A6-9E45-BD22-9347A5F03FFE}" type="datetimeFigureOut">
               <a:rPr lang="fr-FR" smtClean="0"/>
-              <a:t>29/10/2021</a:t>
+              <a:t>08/11/2021</a:t>
             </a:fld>
             <a:endParaRPr lang="fr-FR"/>
           </a:p>
@@ -2780,7 +3537,7 @@
           <a:p>
             <a:fld id="{55F56711-D5A6-9E45-BD22-9347A5F03FFE}" type="datetimeFigureOut">
               <a:rPr lang="fr-FR" smtClean="0"/>
-              <a:t>29/10/2021</a:t>
+              <a:t>08/11/2021</a:t>
             </a:fld>
             <a:endParaRPr lang="fr-FR"/>
           </a:p>
@@ -3168,7 +3925,7 @@
           <a:p>
             <a:fld id="{55F56711-D5A6-9E45-BD22-9347A5F03FFE}" type="datetimeFigureOut">
               <a:rPr lang="fr-FR" smtClean="0"/>
-              <a:t>29/10/2021</a:t>
+              <a:t>08/11/2021</a:t>
             </a:fld>
             <a:endParaRPr lang="fr-FR"/>
           </a:p>
@@ -3446,7 +4203,7 @@
           <a:p>
             <a:fld id="{55F56711-D5A6-9E45-BD22-9347A5F03FFE}" type="datetimeFigureOut">
               <a:rPr lang="fr-FR" smtClean="0"/>
-              <a:t>29/10/2021</a:t>
+              <a:t>08/11/2021</a:t>
             </a:fld>
             <a:endParaRPr lang="fr-FR"/>
           </a:p>
@@ -4016,15 +4773,7 @@
           <a:p>
             <a:r>
               <a:rPr lang="fr-FR" dirty="0"/>
-              <a:t>A </a:t>
-            </a:r>
-            <a:r>
-              <a:rPr lang="fr-FR" dirty="0" err="1"/>
-              <a:t>behavioral</a:t>
-            </a:r>
-            <a:r>
-              <a:rPr lang="fr-FR" dirty="0"/>
-              <a:t> design pattern</a:t>
+              <a:t>Un design pattern comportemental</a:t>
             </a:r>
           </a:p>
         </p:txBody>
@@ -4082,13 +4831,8 @@
           <a:p>
             <a:r>
               <a:rPr lang="fr-FR" dirty="0"/>
-              <a:t>Observer : </a:t>
-            </a:r>
-            <a:r>
-              <a:rPr lang="fr-FR" dirty="0" err="1"/>
-              <a:t>definition</a:t>
-            </a:r>
-            <a:endParaRPr lang="fr-FR" dirty="0"/>
+              <a:t>Observer : définition</a:t>
+            </a:r>
           </a:p>
         </p:txBody>
       </p:sp>
@@ -4115,7 +4859,9 @@
           </a:xfrm>
         </p:spPr>
         <p:txBody>
-          <a:bodyPr/>
+          <a:bodyPr>
+            <a:normAutofit/>
+          </a:bodyPr>
           <a:lstStyle/>
           <a:p>
             <a:r>
@@ -4135,6 +4881,97 @@
               <a:rPr lang="fr-FR" dirty="0"/>
               <a:t>UML générique :</a:t>
             </a:r>
+          </a:p>
+          <a:p>
+            <a:endParaRPr lang="fr-FR" dirty="0"/>
+          </a:p>
+          <a:p>
+            <a:pPr marL="0" indent="0">
+              <a:buNone/>
+            </a:pPr>
+            <a:endParaRPr lang="fr-FR" dirty="0"/>
+          </a:p>
+        </p:txBody>
+      </p:sp>
+      <p:pic>
+        <p:nvPicPr>
+          <p:cNvPr id="4" name="Image 3">
+            <a:extLst>
+              <a:ext uri="{FF2B5EF4-FFF2-40B4-BE49-F238E27FC236}">
+                <a16:creationId xmlns:a16="http://schemas.microsoft.com/office/drawing/2014/main" id="{4B723C6F-9500-0642-B6FC-6EFC5D588790}"/>
+              </a:ext>
+            </a:extLst>
+          </p:cNvPr>
+          <p:cNvPicPr>
+            <a:picLocks noChangeAspect="1"/>
+          </p:cNvPicPr>
+          <p:nvPr/>
+        </p:nvPicPr>
+        <p:blipFill>
+          <a:blip r:embed="rId3"/>
+          <a:stretch>
+            <a:fillRect/>
+          </a:stretch>
+        </p:blipFill>
+        <p:spPr>
+          <a:xfrm>
+            <a:off x="3200400" y="3379095"/>
+            <a:ext cx="5882640" cy="3031229"/>
+          </a:xfrm>
+          <a:prstGeom prst="rect">
+            <a:avLst/>
+          </a:prstGeom>
+        </p:spPr>
+      </p:pic>
+      <p:sp>
+        <p:nvSpPr>
+          <p:cNvPr id="5" name="ZoneTexte 4">
+            <a:extLst>
+              <a:ext uri="{FF2B5EF4-FFF2-40B4-BE49-F238E27FC236}">
+                <a16:creationId xmlns:a16="http://schemas.microsoft.com/office/drawing/2014/main" id="{CD1F6774-A9BF-A448-ACD8-7A01CEF3C384}"/>
+              </a:ext>
+            </a:extLst>
+          </p:cNvPr>
+          <p:cNvSpPr txBox="1"/>
+          <p:nvPr/>
+        </p:nvSpPr>
+        <p:spPr>
+          <a:xfrm>
+            <a:off x="3531870" y="6410324"/>
+            <a:ext cx="6103620" cy="276999"/>
+          </a:xfrm>
+          <a:prstGeom prst="rect">
+            <a:avLst/>
+          </a:prstGeom>
+          <a:noFill/>
+        </p:spPr>
+        <p:txBody>
+          <a:bodyPr wrap="square" rtlCol="0">
+            <a:spAutoFit/>
+          </a:bodyPr>
+          <a:lstStyle/>
+          <a:p>
+            <a:r>
+              <a:rPr lang="fr-FR" sz="1200" i="1" dirty="0">
+                <a:solidFill>
+                  <a:schemeClr val="accent1"/>
+                </a:solidFill>
+              </a:rPr>
+              <a:t>Capture d’écran d’un diagramme UML représentant le pattern observer © </a:t>
+            </a:r>
+            <a:r>
+              <a:rPr lang="fr-FR" sz="1200" i="1" dirty="0" err="1">
+                <a:solidFill>
+                  <a:schemeClr val="accent1"/>
+                </a:solidFill>
+              </a:rPr>
+              <a:t>ionos.fr</a:t>
+            </a:r>
+            <a:endParaRPr lang="fr-FR" sz="1200" i="1" dirty="0">
+              <a:solidFill>
+                <a:schemeClr val="accent1"/>
+              </a:solidFill>
+            </a:endParaRPr>
           </a:p>
         </p:txBody>
       </p:sp>
@@ -4191,7 +5028,7 @@
           <a:p>
             <a:r>
               <a:rPr lang="fr-FR" dirty="0"/>
-              <a:t>Observer : real use case</a:t>
+              <a:t>Observer : scénario simple</a:t>
             </a:r>
           </a:p>
         </p:txBody>
@@ -4218,26 +5055,29 @@
           <a:lstStyle/>
           <a:p>
             <a:r>
-              <a:rPr lang="fr-FR" dirty="0" err="1"/>
-              <a:t>IoT</a:t>
-            </a:r>
-            <a:r>
               <a:rPr lang="fr-FR" dirty="0"/>
-              <a:t> dans une maison avec différents capteurs et un gestionnaire de capteurs (capteurs de températures, lumière etc…) + plusieurs observateurs (camera/</a:t>
-            </a:r>
-            <a:r>
-              <a:rPr lang="fr-FR" dirty="0" err="1"/>
-              <a:t>sensor</a:t>
-            </a:r>
+              <a:t>Contexte : Maison connectée</a:t>
+            </a:r>
+          </a:p>
+          <a:p>
             <a:r>
               <a:rPr lang="fr-FR" dirty="0"/>
-              <a:t>)</a:t>
+              <a:t>Observables : Capteurs de température et de lumières</a:t>
             </a:r>
           </a:p>
           <a:p>
             <a:r>
               <a:rPr lang="fr-FR" dirty="0"/>
-              <a:t>Action a effectué selon les états de ses capteurs</a:t>
+              <a:t>Observateurs : Systèmes de gestion température et lumières, un de chaque type dans chaque pièce</a:t>
+            </a:r>
+          </a:p>
+          <a:p>
+            <a:endParaRPr lang="fr-FR" dirty="0"/>
+          </a:p>
+          <a:p>
+            <a:r>
+              <a:rPr lang="fr-FR" dirty="0"/>
+              <a:t>Les observateurs se connecte, écoute les évènements, font des actions appropriées selon l’évènement, se déconnecte et peuvent se reconnecter ailleurs.</a:t>
             </a:r>
           </a:p>
           <a:p>
@@ -4293,16 +5133,88 @@
         </p:nvSpPr>
         <p:spPr/>
         <p:txBody>
-          <a:bodyPr/>
+          <a:bodyPr>
+            <a:normAutofit/>
+          </a:bodyPr>
           <a:lstStyle/>
           <a:p>
             <a:r>
               <a:rPr lang="fr-FR" dirty="0"/>
               <a:t>Observer : diagramme de séquence</a:t>
             </a:r>
-          </a:p>
-        </p:txBody>
-      </p:sp>
+            <a:br>
+              <a:rPr lang="fr-FR" dirty="0"/>
+            </a:br>
+            <a:r>
+              <a:rPr lang="fr-FR" sz="3600" dirty="0"/>
+              <a:t>Scénario</a:t>
+            </a:r>
+            <a:endParaRPr lang="fr-FR" dirty="0"/>
+          </a:p>
+        </p:txBody>
+      </p:sp>
+      <p:sp>
+        <p:nvSpPr>
+          <p:cNvPr id="5" name="ZoneTexte 4">
+            <a:extLst>
+              <a:ext uri="{FF2B5EF4-FFF2-40B4-BE49-F238E27FC236}">
+                <a16:creationId xmlns:a16="http://schemas.microsoft.com/office/drawing/2014/main" id="{63899C3B-5A84-0B4F-B6F4-6771ED40AC6E}"/>
+              </a:ext>
+            </a:extLst>
+          </p:cNvPr>
+          <p:cNvSpPr txBox="1"/>
+          <p:nvPr/>
+        </p:nvSpPr>
+        <p:spPr>
+          <a:xfrm>
+            <a:off x="8643938" y="1500188"/>
+            <a:ext cx="184731" cy="369332"/>
+          </a:xfrm>
+          <a:prstGeom prst="rect">
+            <a:avLst/>
+          </a:prstGeom>
+          <a:noFill/>
+        </p:spPr>
+        <p:txBody>
+          <a:bodyPr wrap="none" rtlCol="0">
+            <a:spAutoFit/>
+          </a:bodyPr>
+          <a:lstStyle/>
+          <a:p>
+            <a:endParaRPr lang="fr-FR" dirty="0"/>
+          </a:p>
+        </p:txBody>
+      </p:sp>
+      <p:pic>
+        <p:nvPicPr>
+          <p:cNvPr id="3" name="Image 2">
+            <a:extLst>
+              <a:ext uri="{FF2B5EF4-FFF2-40B4-BE49-F238E27FC236}">
+                <a16:creationId xmlns:a16="http://schemas.microsoft.com/office/drawing/2014/main" id="{0A076ED8-F0A1-644F-B889-0F803A6FC4AD}"/>
+              </a:ext>
+            </a:extLst>
+          </p:cNvPr>
+          <p:cNvPicPr>
+            <a:picLocks noChangeAspect="1"/>
+          </p:cNvPicPr>
+          <p:nvPr/>
+        </p:nvPicPr>
+        <p:blipFill>
+          <a:blip r:embed="rId2"/>
+          <a:stretch>
+            <a:fillRect/>
+          </a:stretch>
+        </p:blipFill>
+        <p:spPr>
+          <a:xfrm>
+            <a:off x="3814099" y="1732141"/>
+            <a:ext cx="7006301" cy="4847070"/>
+          </a:xfrm>
+          <a:prstGeom prst="rect">
+            <a:avLst/>
+          </a:prstGeom>
+        </p:spPr>
+      </p:pic>
     </p:spTree>
     <p:extLst>
       <p:ext uri="{BB962C8B-B14F-4D97-AF65-F5344CB8AC3E}">
@@ -4356,40 +5268,176 @@
           <a:p>
             <a:r>
               <a:rPr lang="fr-FR" dirty="0"/>
-              <a:t>Observer : diagramme de classe</a:t>
-            </a:r>
-          </a:p>
-        </p:txBody>
-      </p:sp>
-      <p:sp>
-        <p:nvSpPr>
-          <p:cNvPr id="3" name="Espace réservé du contenu 2">
+              <a:t>Observer : diagramme de classes</a:t>
+            </a:r>
+          </a:p>
+        </p:txBody>
+      </p:sp>
+      <p:pic>
+        <p:nvPicPr>
+          <p:cNvPr id="5" name="Image 4">
             <a:extLst>
               <a:ext uri="{FF2B5EF4-FFF2-40B4-BE49-F238E27FC236}">
-                <a16:creationId xmlns:a16="http://schemas.microsoft.com/office/drawing/2014/main" id="{B8EE1C98-BCF4-4844-9EFD-D0F76E41F816}"/>
+                <a16:creationId xmlns:a16="http://schemas.microsoft.com/office/drawing/2014/main" id="{32E6F9B1-ED6E-E24C-A510-4D6939BED96D}"/>
               </a:ext>
             </a:extLst>
           </p:cNvPr>
-          <p:cNvSpPr>
-            <a:spLocks noGrp="1"/>
-          </p:cNvSpPr>
-          <p:nvPr>
-            <p:ph idx="1"/>
-          </p:nvPr>
-        </p:nvSpPr>
-        <p:spPr/>
-        <p:txBody>
-          <a:bodyPr/>
-          <a:lstStyle/>
-          <a:p>
-            <a:endParaRPr lang="fr-FR"/>
-          </a:p>
-        </p:txBody>
-      </p:sp>
+          <p:cNvPicPr>
+            <a:picLocks noChangeAspect="1"/>
+          </p:cNvPicPr>
+          <p:nvPr/>
+        </p:nvPicPr>
+        <p:blipFill>
+          <a:blip r:embed="rId2"/>
+          <a:stretch>
+            <a:fillRect/>
+          </a:stretch>
+        </p:blipFill>
+        <p:spPr>
+          <a:xfrm>
+            <a:off x="1887956" y="1488908"/>
+            <a:ext cx="9221202" cy="4826814"/>
+          </a:xfrm>
+          <a:prstGeom prst="rect">
+            <a:avLst/>
+          </a:prstGeom>
+        </p:spPr>
+      </p:pic>
     </p:spTree>
     <p:extLst>
       <p:ext uri="{BB962C8B-B14F-4D97-AF65-F5344CB8AC3E}">
         <p14:creationId xmlns:p14="http://schemas.microsoft.com/office/powerpoint/2010/main" val="988633631"/>
+      </p:ext>
+    </p:extLst>
+  </p:cSld>
+  <p:clrMapOvr>
+    <a:masterClrMapping/>
+  </p:clrMapOvr>
+</p:sld>
+</file>
+
+<file path=ppt/slides/slide6.xml><?xml version="1.0" encoding="utf-8"?>
+<p:sld xmlns:a="http://schemas.openxmlformats.org/drawingml/2006/main" xmlns:r="http://schemas.openxmlformats.org/officeDocument/2006/relationships" xmlns:p="http://schemas.openxmlformats.org/presentationml/2006/main">
+  <p:cSld>
+    <p:spTree>
+      <p:nvGrpSpPr>
+        <p:cNvPr id="1" name=""/>
+        <p:cNvGrpSpPr/>
+        <p:nvPr/>
+      </p:nvGrpSpPr>
+      <p:grpSpPr>
+        <a:xfrm>
+          <a:off x="0" y="0"/>
+          <a:ext cx="0" cy="0"/>
+          <a:chOff x="0" y="0"/>
+          <a:chExt cx="0" cy="0"/>
+        </a:xfrm>
+      </p:grpSpPr>
+      <p:sp>
+        <p:nvSpPr>
+          <p:cNvPr id="2" name="Titre 1">
+            <a:extLst>
+              <a:ext uri="{FF2B5EF4-FFF2-40B4-BE49-F238E27FC236}">
+                <a16:creationId xmlns:a16="http://schemas.microsoft.com/office/drawing/2014/main" id="{2C74D44C-B0F8-4C48-AE53-884E68E3A614}"/>
+              </a:ext>
+            </a:extLst>
+          </p:cNvPr>
+          <p:cNvSpPr>
+            <a:spLocks noGrp="1"/>
+          </p:cNvSpPr>
+          <p:nvPr>
+            <p:ph type="title"/>
+          </p:nvPr>
+        </p:nvSpPr>
+        <p:spPr/>
+        <p:txBody>
+          <a:bodyPr/>
+          <a:lstStyle/>
+          <a:p>
+            <a:r>
+              <a:rPr lang="fr-FR" dirty="0"/>
+              <a:t>Observer : Conclusion</a:t>
+            </a:r>
+          </a:p>
+        </p:txBody>
+      </p:sp>
+      <p:sp>
+        <p:nvSpPr>
+          <p:cNvPr id="3" name="Espace réservé du contenu 2">
+            <a:extLst>
+              <a:ext uri="{FF2B5EF4-FFF2-40B4-BE49-F238E27FC236}">
+                <a16:creationId xmlns:a16="http://schemas.microsoft.com/office/drawing/2014/main" id="{1F08AC6A-A1E1-FB4E-9F38-4FC63E230478}"/>
+              </a:ext>
+            </a:extLst>
+          </p:cNvPr>
+          <p:cNvSpPr>
+            <a:spLocks noGrp="1"/>
+          </p:cNvSpPr>
+          <p:nvPr>
+            <p:ph idx="1"/>
+          </p:nvPr>
+        </p:nvSpPr>
+        <p:spPr/>
+        <p:txBody>
+          <a:bodyPr/>
+          <a:lstStyle/>
+          <a:p>
+            <a:r>
+              <a:rPr lang="fr-FR" dirty="0"/>
+              <a:t>Avantage du pattern : </a:t>
+            </a:r>
+          </a:p>
+          <a:p>
+            <a:pPr lvl="1"/>
+            <a:r>
+              <a:rPr lang="fr-FR" dirty="0"/>
+              <a:t>Pas d’inclusion du sujet dans la classe de l’observateur </a:t>
+            </a:r>
+            <a:r>
+              <a:rPr lang="fr-FR" dirty="0">
+                <a:sym typeface="Wingdings" pitchFamily="2" charset="2"/>
+              </a:rPr>
+              <a:t> </a:t>
+            </a:r>
+            <a:r>
+              <a:rPr lang="fr-FR" dirty="0"/>
+              <a:t>code évolutif et facilement maintenable (composants séparés)</a:t>
+            </a:r>
+          </a:p>
+          <a:p>
+            <a:pPr lvl="1"/>
+            <a:r>
+              <a:rPr lang="fr-FR" dirty="0"/>
+              <a:t>Plus le besoin de </a:t>
+            </a:r>
+            <a:r>
+              <a:rPr lang="fr-FR" dirty="0" err="1"/>
+              <a:t>poll</a:t>
+            </a:r>
+            <a:r>
+              <a:rPr lang="fr-FR" dirty="0"/>
+              <a:t> régulièrement </a:t>
+            </a:r>
+            <a:r>
+              <a:rPr lang="fr-FR" dirty="0">
+                <a:sym typeface="Wingdings" pitchFamily="2" charset="2"/>
+              </a:rPr>
+              <a:t> gains de performances, énergie (cas des systèmes embarqués)</a:t>
+            </a:r>
+            <a:endParaRPr lang="fr-FR" dirty="0"/>
+          </a:p>
+          <a:p>
+            <a:r>
+              <a:rPr lang="fr-FR" dirty="0"/>
+              <a:t>Lié aux design pattern suivants :</a:t>
+            </a:r>
+          </a:p>
+        </p:txBody>
+      </p:sp>
+    </p:spTree>
+    <p:extLst>
+      <p:ext uri="{BB962C8B-B14F-4D97-AF65-F5344CB8AC3E}">
+        <p14:creationId xmlns:p14="http://schemas.microsoft.com/office/powerpoint/2010/main" val="414694194"/>
       </p:ext>
     </p:extLst>
   </p:cSld>
@@ -4655,4 +5703,299 @@
     </a:ext>
   </a:extLst>
 </a:theme>
+</file>
+
+<file path=ppt/theme/theme2.xml><?xml version="1.0" encoding="utf-8"?>
+<a:theme xmlns:a="http://schemas.openxmlformats.org/drawingml/2006/main" name="Thème Office">
+  <a:themeElements>
+    <a:clrScheme name="Office">
+      <a:dk1>
+        <a:sysClr val="windowText" lastClr="000000"/>
+      </a:dk1>
+      <a:lt1>
+        <a:sysClr val="window" lastClr="FFFFFF"/>
+      </a:lt1>
+      <a:dk2>
+        <a:srgbClr val="44546A"/>
+      </a:dk2>
+      <a:lt2>
+        <a:srgbClr val="E7E6E6"/>
+      </a:lt2>
+      <a:accent1>
+        <a:srgbClr val="4472C4"/>
+      </a:accent1>
+      <a:accent2>
+        <a:srgbClr val="ED7D31"/>
+      </a:accent2>
+      <a:accent3>
+        <a:srgbClr val="A5A5A5"/>
+      </a:accent3>
+      <a:accent4>
+        <a:srgbClr val="FFC000"/>
+      </a:accent4>
+      <a:accent5>
+        <a:srgbClr val="5B9BD5"/>
+      </a:accent5>
+      <a:accent6>
+        <a:srgbClr val="70AD47"/>
+      </a:accent6>
+      <a:hlink>
+        <a:srgbClr val="0563C1"/>
+      </a:hlink>
+      <a:folHlink>
+        <a:srgbClr val="954F72"/>
+      </a:folHlink>
+    </a:clrScheme>
+    <a:fontScheme name="Office">
+      <a:majorFont>
+        <a:latin typeface="Calibri Light" panose="020F0302020204030204"/>
+        <a:ea typeface=""/>
+        <a:cs typeface=""/>
+        <a:font script="Jpan" typeface="游ゴシック Light"/>
+        <a:font script="Hang" typeface="맑은 고딕"/>
+        <a:font script="Hans" typeface="等线 Light"/>
+        <a:font script="Hant" typeface="新細明體"/>
+        <a:font script="Arab" typeface="Times New Roman"/>
+        <a:font script="Hebr" typeface="Times New Roman"/>
+        <a:font script="Thai" typeface="Angsana New"/>
+        <a:font script="Ethi" typeface="Nyala"/>
+        <a:font script="Beng" typeface="Vrinda"/>
+        <a:font script="Gujr" typeface="Shruti"/>
+        <a:font script="Khmr" typeface="MoolBoran"/>
+        <a:font script="Knda" typeface="Tunga"/>
+        <a:font script="Guru" typeface="Raavi"/>
+        <a:font script="Cans" typeface="Euphemia"/>
+        <a:font script="Cher" typeface="Plantagenet Cherokee"/>
+        <a:font script="Yiii" typeface="Microsoft Yi Baiti"/>
+        <a:font script="Tibt" typeface="Microsoft Himalaya"/>
+        <a:font script="Thaa" typeface="MV Boli"/>
+        <a:font script="Deva" typeface="Mangal"/>
+        <a:font script="Telu" typeface="Gautami"/>
+        <a:font script="Taml" typeface="Latha"/>
+        <a:font script="Syrc" typeface="Estrangelo Edessa"/>
+        <a:font script="Orya" typeface="Kalinga"/>
+        <a:font script="Mlym" typeface="Kartika"/>
+        <a:font script="Laoo" typeface="DokChampa"/>
+        <a:font script="Sinh" typeface="Iskoola Pota"/>
+        <a:font script="Mong" typeface="Mongolian Baiti"/>
+        <a:font script="Viet" typeface="Times New Roman"/>
+        <a:font script="Uigh" typeface="Microsoft Uighur"/>
+        <a:font script="Geor" typeface="Sylfaen"/>
+        <a:font script="Armn" typeface="Arial"/>
+        <a:font script="Bugi" typeface="Leelawadee UI"/>
+        <a:font script="Bopo" typeface="Microsoft JhengHei"/>
+        <a:font script="Java" typeface="Javanese Text"/>
+        <a:font script="Lisu" typeface="Segoe UI"/>
+        <a:font script="Mymr" typeface="Myanmar Text"/>
+        <a:font script="Nkoo" typeface="Ebrima"/>
+        <a:font script="Olck" typeface="Nirmala UI"/>
+        <a:font script="Osma" typeface="Ebrima"/>
+        <a:font script="Phag" typeface="Phagspa"/>
+        <a:font script="Syrn" typeface="Estrangelo Edessa"/>
+        <a:font script="Syrj" typeface="Estrangelo Edessa"/>
+        <a:font script="Syre" typeface="Estrangelo Edessa"/>
+        <a:font script="Sora" typeface="Nirmala UI"/>
+        <a:font script="Tale" typeface="Microsoft Tai Le"/>
+        <a:font script="Talu" typeface="Microsoft New Tai Lue"/>
+        <a:font script="Tfng" typeface="Ebrima"/>
+      </a:majorFont>
+      <a:minorFont>
+        <a:latin typeface="Calibri" panose="020F0502020204030204"/>
+        <a:ea typeface=""/>
+        <a:cs typeface=""/>
+        <a:font script="Jpan" typeface="游ゴシック"/>
+        <a:font script="Hang" typeface="맑은 고딕"/>
+        <a:font script="Hans" typeface="等线"/>
+        <a:font script="Hant" typeface="新細明體"/>
+        <a:font script="Arab" typeface="Arial"/>
+        <a:font script="Hebr" typeface="Arial"/>
+        <a:font script="Thai" typeface="Cordia New"/>
+        <a:font script="Ethi" typeface="Nyala"/>
+        <a:font script="Beng" typeface="Vrinda"/>
+        <a:font script="Gujr" typeface="Shruti"/>
+        <a:font script="Khmr" typeface="DaunPenh"/>
+        <a:font script="Knda" typeface="Tunga"/>
+        <a:font script="Guru" typeface="Raavi"/>
+        <a:font script="Cans" typeface="Euphemia"/>
+        <a:font script="Cher" typeface="Plantagenet Cherokee"/>
+        <a:font script="Yiii" typeface="Microsoft Yi Baiti"/>
+        <a:font script="Tibt" typeface="Microsoft Himalaya"/>
+        <a:font script="Thaa" typeface="MV Boli"/>
+        <a:font script="Deva" typeface="Mangal"/>
+        <a:font script="Telu" typeface="Gautami"/>
+        <a:font script="Taml" typeface="Latha"/>
+        <a:font script="Syrc" typeface="Estrangelo Edessa"/>
+        <a:font script="Orya" typeface="Kalinga"/>
+        <a:font script="Mlym" typeface="Kartika"/>
+        <a:font script="Laoo" typeface="DokChampa"/>
+        <a:font script="Sinh" typeface="Iskoola Pota"/>
+        <a:font script="Mong" typeface="Mongolian Baiti"/>
+        <a:font script="Viet" typeface="Arial"/>
+        <a:font script="Uigh" typeface="Microsoft Uighur"/>
+        <a:font script="Geor" typeface="Sylfaen"/>
+        <a:font script="Armn" typeface="Arial"/>
+        <a:font script="Bugi" typeface="Leelawadee UI"/>
+        <a:font script="Bopo" typeface="Microsoft JhengHei"/>
+        <a:font script="Java" typeface="Javanese Text"/>
+        <a:font script="Lisu" typeface="Segoe UI"/>
+        <a:font script="Mymr" typeface="Myanmar Text"/>
+        <a:font script="Nkoo" typeface="Ebrima"/>
+        <a:font script="Olck" typeface="Nirmala UI"/>
+        <a:font script="Osma" typeface="Ebrima"/>
+        <a:font script="Phag" typeface="Phagspa"/>
+        <a:font script="Syrn" typeface="Estrangelo Edessa"/>
+        <a:font script="Syrj" typeface="Estrangelo Edessa"/>
+        <a:font script="Syre" typeface="Estrangelo Edessa"/>
+        <a:font script="Sora" typeface="Nirmala UI"/>
+        <a:font script="Tale" typeface="Microsoft Tai Le"/>
+        <a:font script="Talu" typeface="Microsoft New Tai Lue"/>
+        <a:font script="Tfng" typeface="Ebrima"/>
+      </a:minorFont>
+    </a:fontScheme>
+    <a:fmtScheme name="Office">
+      <a:fillStyleLst>
+        <a:solidFill>
+          <a:schemeClr val="phClr"/>
+        </a:solidFill>
+        <a:gradFill rotWithShape="1">
+          <a:gsLst>
+            <a:gs pos="0">
+              <a:schemeClr val="phClr">
+                <a:lumMod val="110000"/>
+                <a:satMod val="105000"/>
+                <a:tint val="67000"/>
+              </a:schemeClr>
+            </a:gs>
+            <a:gs pos="50000">
+              <a:schemeClr val="phClr">
+                <a:lumMod val="105000"/>
+                <a:satMod val="103000"/>
+                <a:tint val="73000"/>
+              </a:schemeClr>
+            </a:gs>
+            <a:gs pos="100000">
+              <a:schemeClr val="phClr">
+                <a:lumMod val="105000"/>
+                <a:satMod val="109000"/>
+                <a:tint val="81000"/>
+              </a:schemeClr>
+            </a:gs>
+          </a:gsLst>
+          <a:lin ang="5400000" scaled="0"/>
+        </a:gradFill>
+        <a:gradFill rotWithShape="1">
+          <a:gsLst>
+            <a:gs pos="0">
+              <a:schemeClr val="phClr">
+                <a:satMod val="103000"/>
+                <a:lumMod val="102000"/>
+                <a:tint val="94000"/>
+              </a:schemeClr>
+            </a:gs>
+            <a:gs pos="50000">
+              <a:schemeClr val="phClr">
+                <a:satMod val="110000"/>
+                <a:lumMod val="100000"/>
+                <a:shade val="100000"/>
+              </a:schemeClr>
+            </a:gs>
+            <a:gs pos="100000">
+              <a:schemeClr val="phClr">
+                <a:lumMod val="99000"/>
+                <a:satMod val="120000"/>
+                <a:shade val="78000"/>
+              </a:schemeClr>
+            </a:gs>
+          </a:gsLst>
+          <a:lin ang="5400000" scaled="0"/>
+        </a:gradFill>
+      </a:fillStyleLst>
+      <a:lnStyleLst>
+        <a:ln w="6350" cap="flat" cmpd="sng" algn="ctr">
+          <a:solidFill>
+            <a:schemeClr val="phClr"/>
+          </a:solidFill>
+          <a:prstDash val="solid"/>
+          <a:miter lim="800000"/>
+        </a:ln>
+        <a:ln w="12700" cap="flat" cmpd="sng" algn="ctr">
+          <a:solidFill>
+            <a:schemeClr val="phClr"/>
+          </a:solidFill>
+          <a:prstDash val="solid"/>
+          <a:miter lim="800000"/>
+        </a:ln>
+        <a:ln w="19050" cap="flat" cmpd="sng" algn="ctr">
+          <a:solidFill>
+            <a:schemeClr val="phClr"/>
+          </a:solidFill>
+          <a:prstDash val="solid"/>
+          <a:miter lim="800000"/>
+        </a:ln>
+      </a:lnStyleLst>
+      <a:effectStyleLst>
+        <a:effectStyle>
+          <a:effectLst/>
+        </a:effectStyle>
+        <a:effectStyle>
+          <a:effectLst/>
+        </a:effectStyle>
+        <a:effectStyle>
+          <a:effectLst>
+            <a:outerShdw blurRad="57150" dist="19050" dir="5400000" algn="ctr" rotWithShape="0">
+              <a:srgbClr val="000000">
+                <a:alpha val="63000"/>
+              </a:srgbClr>
+            </a:outerShdw>
+          </a:effectLst>
+        </a:effectStyle>
+      </a:effectStyleLst>
+      <a:bgFillStyleLst>
+        <a:solidFill>
+          <a:schemeClr val="phClr"/>
+        </a:solidFill>
+        <a:solidFill>
+          <a:schemeClr val="phClr">
+            <a:tint val="95000"/>
+            <a:satMod val="170000"/>
+          </a:schemeClr>
+        </a:solidFill>
+        <a:gradFill rotWithShape="1">
+          <a:gsLst>
+            <a:gs pos="0">
+              <a:schemeClr val="phClr">
+                <a:tint val="93000"/>
+                <a:satMod val="150000"/>
+                <a:shade val="98000"/>
+                <a:lumMod val="102000"/>
+              </a:schemeClr>
+            </a:gs>
+            <a:gs pos="50000">
+              <a:schemeClr val="phClr">
+                <a:tint val="98000"/>
+                <a:satMod val="130000"/>
+                <a:shade val="90000"/>
+                <a:lumMod val="103000"/>
+              </a:schemeClr>
+            </a:gs>
+            <a:gs pos="100000">
+              <a:schemeClr val="phClr">
+                <a:shade val="63000"/>
+                <a:satMod val="120000"/>
+              </a:schemeClr>
+            </a:gs>
+          </a:gsLst>
+          <a:lin ang="5400000" scaled="0"/>
+        </a:gradFill>
+      </a:bgFillStyleLst>
+    </a:fmtScheme>
+  </a:themeElements>
+  <a:objectDefaults/>
+  <a:extraClrSchemeLst/>
+  <a:extLst>
+    <a:ext uri="{05A4C25C-085E-4340-85A3-A5531E510DB2}">
+      <thm15:themeFamily xmlns:thm15="http://schemas.microsoft.com/office/thememl/2012/main" name="Office Theme" id="{62F939B6-93AF-4DB8-9C6B-D6C7DFDC589F}" vid="{4A3C46E8-61CC-4603-A589-7422A47A8E4A}"/>
+    </a:ext>
+  </a:extLst>
+</a:theme>
 </file>
--- a/presentation.pptx
+++ b/presentation.pptx
@@ -5,7 +5,7 @@
     <p:sldMasterId id="2147483660" r:id="rId1"/>
   </p:sldMasterIdLst>
   <p:notesMasterIdLst>
-    <p:notesMasterId r:id="rId8"/>
+    <p:notesMasterId r:id="rId9"/>
   </p:notesMasterIdLst>
   <p:sldIdLst>
     <p:sldId id="256" r:id="rId2"/>
@@ -13,7 +13,8 @@
     <p:sldId id="258" r:id="rId4"/>
     <p:sldId id="259" r:id="rId5"/>
     <p:sldId id="260" r:id="rId6"/>
-    <p:sldId id="261" r:id="rId7"/>
+    <p:sldId id="262" r:id="rId7"/>
+    <p:sldId id="261" r:id="rId8"/>
   </p:sldIdLst>
   <p:sldSz cx="12192000" cy="6858000"/>
   <p:notesSz cx="6858000" cy="9144000"/>
@@ -139,7 +140,7 @@
   <pc:docChgLst>
     <pc:chgData name="Karl La Grassa" userId="598be429c4e50114" providerId="LiveId" clId="{405757E6-D4E6-D044-98D8-0C142B7FD65C}"/>
     <pc:docChg chg="undo redo custSel addSld modSld">
-      <pc:chgData name="Karl La Grassa" userId="598be429c4e50114" providerId="LiveId" clId="{405757E6-D4E6-D044-98D8-0C142B7FD65C}" dt="2021-11-08T18:59:18.675" v="2188" actId="14100"/>
+      <pc:chgData name="Karl La Grassa" userId="598be429c4e50114" providerId="LiveId" clId="{405757E6-D4E6-D044-98D8-0C142B7FD65C}" dt="2021-11-09T13:19:34.965" v="2295" actId="478"/>
       <pc:docMkLst>
         <pc:docMk/>
       </pc:docMkLst>
@@ -167,7 +168,7 @@
         </pc:spChg>
       </pc:sldChg>
       <pc:sldChg chg="addSp modSp new mod addCm delCm modCm modNotesTx">
-        <pc:chgData name="Karl La Grassa" userId="598be429c4e50114" providerId="LiveId" clId="{405757E6-D4E6-D044-98D8-0C142B7FD65C}" dt="2021-11-08T13:46:27.932" v="2180" actId="20577"/>
+        <pc:chgData name="Karl La Grassa" userId="598be429c4e50114" providerId="LiveId" clId="{405757E6-D4E6-D044-98D8-0C142B7FD65C}" dt="2021-11-09T13:18:19.251" v="2260" actId="1037"/>
         <pc:sldMkLst>
           <pc:docMk/>
           <pc:sldMk cId="3461207568" sldId="257"/>
@@ -181,7 +182,7 @@
           </ac:spMkLst>
         </pc:spChg>
         <pc:spChg chg="mod">
-          <ac:chgData name="Karl La Grassa" userId="598be429c4e50114" providerId="LiveId" clId="{405757E6-D4E6-D044-98D8-0C142B7FD65C}" dt="2021-11-08T13:16:11.049" v="2036" actId="20577"/>
+          <ac:chgData name="Karl La Grassa" userId="598be429c4e50114" providerId="LiveId" clId="{405757E6-D4E6-D044-98D8-0C142B7FD65C}" dt="2021-11-09T13:18:11.251" v="2237" actId="20577"/>
           <ac:spMkLst>
             <pc:docMk/>
             <pc:sldMk cId="3461207568" sldId="257"/>
@@ -189,7 +190,7 @@
           </ac:spMkLst>
         </pc:spChg>
         <pc:spChg chg="add mod">
-          <ac:chgData name="Karl La Grassa" userId="598be429c4e50114" providerId="LiveId" clId="{405757E6-D4E6-D044-98D8-0C142B7FD65C}" dt="2021-11-08T13:17:19.990" v="2154" actId="404"/>
+          <ac:chgData name="Karl La Grassa" userId="598be429c4e50114" providerId="LiveId" clId="{405757E6-D4E6-D044-98D8-0C142B7FD65C}" dt="2021-11-09T13:18:19.251" v="2260" actId="1037"/>
           <ac:spMkLst>
             <pc:docMk/>
             <pc:sldMk cId="3461207568" sldId="257"/>
@@ -197,7 +198,7 @@
           </ac:spMkLst>
         </pc:spChg>
         <pc:picChg chg="add mod">
-          <ac:chgData name="Karl La Grassa" userId="598be429c4e50114" providerId="LiveId" clId="{405757E6-D4E6-D044-98D8-0C142B7FD65C}" dt="2021-11-08T13:17:24.222" v="2158" actId="1038"/>
+          <ac:chgData name="Karl La Grassa" userId="598be429c4e50114" providerId="LiveId" clId="{405757E6-D4E6-D044-98D8-0C142B7FD65C}" dt="2021-11-09T13:18:14.741" v="2238" actId="1076"/>
           <ac:picMkLst>
             <pc:docMk/>
             <pc:sldMk cId="3461207568" sldId="257"/>
@@ -401,6 +402,29 @@
           </ac:spMkLst>
         </pc:spChg>
       </pc:sldChg>
+      <pc:sldChg chg="delSp modSp new mod">
+        <pc:chgData name="Karl La Grassa" userId="598be429c4e50114" providerId="LiveId" clId="{405757E6-D4E6-D044-98D8-0C142B7FD65C}" dt="2021-11-09T13:19:34.965" v="2295" actId="478"/>
+        <pc:sldMkLst>
+          <pc:docMk/>
+          <pc:sldMk cId="414114458" sldId="262"/>
+        </pc:sldMkLst>
+        <pc:spChg chg="mod">
+          <ac:chgData name="Karl La Grassa" userId="598be429c4e50114" providerId="LiveId" clId="{405757E6-D4E6-D044-98D8-0C142B7FD65C}" dt="2021-11-09T13:19:31.127" v="2294" actId="20577"/>
+          <ac:spMkLst>
+            <pc:docMk/>
+            <pc:sldMk cId="414114458" sldId="262"/>
+            <ac:spMk id="2" creationId="{8C576343-B052-FA4F-B4B7-949A4BDDF49E}"/>
+          </ac:spMkLst>
+        </pc:spChg>
+        <pc:spChg chg="del">
+          <ac:chgData name="Karl La Grassa" userId="598be429c4e50114" providerId="LiveId" clId="{405757E6-D4E6-D044-98D8-0C142B7FD65C}" dt="2021-11-09T13:19:34.965" v="2295" actId="478"/>
+          <ac:spMkLst>
+            <pc:docMk/>
+            <pc:sldMk cId="414114458" sldId="262"/>
+            <ac:spMk id="3" creationId="{4A46F714-2458-A04C-9447-91602EDF1CBA}"/>
+          </ac:spMkLst>
+        </pc:spChg>
+      </pc:sldChg>
     </pc:docChg>
   </pc:docChgLst>
 </pc:chgInfo>
@@ -488,7 +512,7 @@
           <a:p>
             <a:fld id="{C087B5CB-4C39-3A4F-BE4E-83ACC8C4503F}" type="datetimeFigureOut">
               <a:rPr lang="fr-FR" smtClean="0"/>
-              <a:t>08/11/2021</a:t>
+              <a:t>09/11/2021</a:t>
             </a:fld>
             <a:endParaRPr lang="fr-FR"/>
           </a:p>
@@ -962,7 +986,7 @@
           <a:p>
             <a:fld id="{6465C638-4572-9440-81E7-E059EFD4A429}" type="slidenum">
               <a:rPr lang="fr-FR" smtClean="0"/>
-              <a:t>6</a:t>
+              <a:t>7</a:t>
             </a:fld>
             <a:endParaRPr lang="fr-FR"/>
           </a:p>
@@ -1150,7 +1174,7 @@
           <a:p>
             <a:fld id="{55F56711-D5A6-9E45-BD22-9347A5F03FFE}" type="datetimeFigureOut">
               <a:rPr lang="fr-FR" smtClean="0"/>
-              <a:t>08/11/2021</a:t>
+              <a:t>09/11/2021</a:t>
             </a:fld>
             <a:endParaRPr lang="fr-FR"/>
           </a:p>
@@ -1480,7 +1504,7 @@
           <a:p>
             <a:fld id="{55F56711-D5A6-9E45-BD22-9347A5F03FFE}" type="datetimeFigureOut">
               <a:rPr lang="fr-FR" smtClean="0"/>
-              <a:t>08/11/2021</a:t>
+              <a:t>09/11/2021</a:t>
             </a:fld>
             <a:endParaRPr lang="fr-FR"/>
           </a:p>
@@ -1660,7 +1684,7 @@
           <a:p>
             <a:fld id="{55F56711-D5A6-9E45-BD22-9347A5F03FFE}" type="datetimeFigureOut">
               <a:rPr lang="fr-FR" smtClean="0"/>
-              <a:t>08/11/2021</a:t>
+              <a:t>09/11/2021</a:t>
             </a:fld>
             <a:endParaRPr lang="fr-FR"/>
           </a:p>
@@ -1830,7 +1854,7 @@
           <a:p>
             <a:fld id="{55F56711-D5A6-9E45-BD22-9347A5F03FFE}" type="datetimeFigureOut">
               <a:rPr lang="fr-FR" smtClean="0"/>
-              <a:t>08/11/2021</a:t>
+              <a:t>09/11/2021</a:t>
             </a:fld>
             <a:endParaRPr lang="fr-FR"/>
           </a:p>
@@ -2107,7 +2131,7 @@
           <a:p>
             <a:fld id="{55F56711-D5A6-9E45-BD22-9347A5F03FFE}" type="datetimeFigureOut">
               <a:rPr lang="fr-FR" smtClean="0"/>
-              <a:t>08/11/2021</a:t>
+              <a:t>09/11/2021</a:t>
             </a:fld>
             <a:endParaRPr lang="fr-FR"/>
           </a:p>
@@ -2501,7 +2525,7 @@
           <a:p>
             <a:fld id="{55F56711-D5A6-9E45-BD22-9347A5F03FFE}" type="datetimeFigureOut">
               <a:rPr lang="fr-FR" smtClean="0"/>
-              <a:t>08/11/2021</a:t>
+              <a:t>09/11/2021</a:t>
             </a:fld>
             <a:endParaRPr lang="fr-FR"/>
           </a:p>
@@ -2978,7 +3002,7 @@
           <a:p>
             <a:fld id="{55F56711-D5A6-9E45-BD22-9347A5F03FFE}" type="datetimeFigureOut">
               <a:rPr lang="fr-FR" smtClean="0"/>
-              <a:t>08/11/2021</a:t>
+              <a:t>09/11/2021</a:t>
             </a:fld>
             <a:endParaRPr lang="fr-FR"/>
           </a:p>
@@ -3096,7 +3120,7 @@
           <a:p>
             <a:fld id="{55F56711-D5A6-9E45-BD22-9347A5F03FFE}" type="datetimeFigureOut">
               <a:rPr lang="fr-FR" smtClean="0"/>
-              <a:t>08/11/2021</a:t>
+              <a:t>09/11/2021</a:t>
             </a:fld>
             <a:endParaRPr lang="fr-FR"/>
           </a:p>
@@ -3191,7 +3215,7 @@
           <a:p>
             <a:fld id="{55F56711-D5A6-9E45-BD22-9347A5F03FFE}" type="datetimeFigureOut">
               <a:rPr lang="fr-FR" smtClean="0"/>
-              <a:t>08/11/2021</a:t>
+              <a:t>09/11/2021</a:t>
             </a:fld>
             <a:endParaRPr lang="fr-FR"/>
           </a:p>
@@ -3537,7 +3561,7 @@
           <a:p>
             <a:fld id="{55F56711-D5A6-9E45-BD22-9347A5F03FFE}" type="datetimeFigureOut">
               <a:rPr lang="fr-FR" smtClean="0"/>
-              <a:t>08/11/2021</a:t>
+              <a:t>09/11/2021</a:t>
             </a:fld>
             <a:endParaRPr lang="fr-FR"/>
           </a:p>
@@ -3925,7 +3949,7 @@
           <a:p>
             <a:fld id="{55F56711-D5A6-9E45-BD22-9347A5F03FFE}" type="datetimeFigureOut">
               <a:rPr lang="fr-FR" smtClean="0"/>
-              <a:t>08/11/2021</a:t>
+              <a:t>09/11/2021</a:t>
             </a:fld>
             <a:endParaRPr lang="fr-FR"/>
           </a:p>
@@ -4203,7 +4227,7 @@
           <a:p>
             <a:fld id="{55F56711-D5A6-9E45-BD22-9347A5F03FFE}" type="datetimeFigureOut">
               <a:rPr lang="fr-FR" smtClean="0"/>
-              <a:t>08/11/2021</a:t>
+              <a:t>09/11/2021</a:t>
             </a:fld>
             <a:endParaRPr lang="fr-FR"/>
           </a:p>
@@ -4877,6 +4901,13 @@
             </a:r>
           </a:p>
           <a:p>
+            <a:pPr lvl="1"/>
+            <a:r>
+              <a:rPr lang="fr-FR" dirty="0"/>
+              <a:t>Utilisé dans la programmation évènementielle</a:t>
+            </a:r>
+          </a:p>
+          <a:p>
             <a:r>
               <a:rPr lang="fr-FR" dirty="0"/>
               <a:t>UML générique :</a:t>
@@ -4915,7 +4946,7 @@
         </p:blipFill>
         <p:spPr>
           <a:xfrm>
-            <a:off x="3200400" y="3379095"/>
+            <a:off x="4209068" y="3243262"/>
             <a:ext cx="5882640" cy="3031229"/>
           </a:xfrm>
           <a:prstGeom prst="rect">
@@ -4937,7 +4968,7 @@
         </p:nvSpPr>
         <p:spPr>
           <a:xfrm>
-            <a:off x="3531870" y="6410324"/>
+            <a:off x="4257735" y="6410324"/>
             <a:ext cx="6103620" cy="276999"/>
           </a:xfrm>
           <a:prstGeom prst="rect">
@@ -5317,6 +5348,64 @@
 </file>
 
 <file path=ppt/slides/slide6.xml><?xml version="1.0" encoding="utf-8"?>
+<p:sld xmlns:a="http://schemas.openxmlformats.org/drawingml/2006/main" xmlns:r="http://schemas.openxmlformats.org/officeDocument/2006/relationships" xmlns:p="http://schemas.openxmlformats.org/presentationml/2006/main">
+  <p:cSld>
+    <p:spTree>
+      <p:nvGrpSpPr>
+        <p:cNvPr id="1" name=""/>
+        <p:cNvGrpSpPr/>
+        <p:nvPr/>
+      </p:nvGrpSpPr>
+      <p:grpSpPr>
+        <a:xfrm>
+          <a:off x="0" y="0"/>
+          <a:ext cx="0" cy="0"/>
+          <a:chOff x="0" y="0"/>
+          <a:chExt cx="0" cy="0"/>
+        </a:xfrm>
+      </p:grpSpPr>
+      <p:sp>
+        <p:nvSpPr>
+          <p:cNvPr id="2" name="Titre 1">
+            <a:extLst>
+              <a:ext uri="{FF2B5EF4-FFF2-40B4-BE49-F238E27FC236}">
+                <a16:creationId xmlns:a16="http://schemas.microsoft.com/office/drawing/2014/main" id="{8C576343-B052-FA4F-B4B7-949A4BDDF49E}"/>
+              </a:ext>
+            </a:extLst>
+          </p:cNvPr>
+          <p:cNvSpPr>
+            <a:spLocks noGrp="1"/>
+          </p:cNvSpPr>
+          <p:nvPr>
+            <p:ph type="title"/>
+          </p:nvPr>
+        </p:nvSpPr>
+        <p:spPr/>
+        <p:txBody>
+          <a:bodyPr/>
+          <a:lstStyle/>
+          <a:p>
+            <a:r>
+              <a:rPr lang="fr-FR" dirty="0"/>
+              <a:t>Observer : Extraits de code</a:t>
+            </a:r>
+          </a:p>
+        </p:txBody>
+      </p:sp>
+    </p:spTree>
+    <p:extLst>
+      <p:ext uri="{BB962C8B-B14F-4D97-AF65-F5344CB8AC3E}">
+        <p14:creationId xmlns:p14="http://schemas.microsoft.com/office/powerpoint/2010/main" val="414114458"/>
+      </p:ext>
+    </p:extLst>
+  </p:cSld>
+  <p:clrMapOvr>
+    <a:masterClrMapping/>
+  </p:clrMapOvr>
+</p:sld>
+</file>
+
+<file path=ppt/slides/slide7.xml><?xml version="1.0" encoding="utf-8"?>
 <p:sld xmlns:a="http://schemas.openxmlformats.org/drawingml/2006/main" xmlns:r="http://schemas.openxmlformats.org/officeDocument/2006/relationships" xmlns:p="http://schemas.openxmlformats.org/presentationml/2006/main">
   <p:cSld>
     <p:spTree>

--- a/presentation.pptx
+++ b/presentation.pptx
@@ -140,7 +140,7 @@
   <pc:docChgLst>
     <pc:chgData name="Karl La Grassa" userId="598be429c4e50114" providerId="LiveId" clId="{405757E6-D4E6-D044-98D8-0C142B7FD65C}"/>
     <pc:docChg chg="undo redo custSel addSld modSld">
-      <pc:chgData name="Karl La Grassa" userId="598be429c4e50114" providerId="LiveId" clId="{405757E6-D4E6-D044-98D8-0C142B7FD65C}" dt="2021-11-09T13:19:34.965" v="2295" actId="478"/>
+      <pc:chgData name="Karl La Grassa" userId="598be429c4e50114" providerId="LiveId" clId="{405757E6-D4E6-D044-98D8-0C142B7FD65C}" dt="2021-11-09T18:38:52.334" v="2296" actId="478"/>
       <pc:docMkLst>
         <pc:docMk/>
       </pc:docMkLst>
@@ -317,7 +317,7 @@
         </pc:picChg>
       </pc:sldChg>
       <pc:sldChg chg="addSp delSp modSp new mod setBg setClrOvrMap">
-        <pc:chgData name="Karl La Grassa" userId="598be429c4e50114" providerId="LiveId" clId="{405757E6-D4E6-D044-98D8-0C142B7FD65C}" dt="2021-10-29T12:51:42.608" v="1424" actId="1076"/>
+        <pc:chgData name="Karl La Grassa" userId="598be429c4e50114" providerId="LiveId" clId="{405757E6-D4E6-D044-98D8-0C142B7FD65C}" dt="2021-11-09T18:38:52.334" v="2296" actId="478"/>
         <pc:sldMkLst>
           <pc:docMk/>
           <pc:sldMk cId="988633631" sldId="260"/>
@@ -370,8 +370,8 @@
             <ac:picMk id="4" creationId="{03801F83-E364-6740-B57F-40B0EF83C5EF}"/>
           </ac:picMkLst>
         </pc:picChg>
-        <pc:picChg chg="add mod">
-          <ac:chgData name="Karl La Grassa" userId="598be429c4e50114" providerId="LiveId" clId="{405757E6-D4E6-D044-98D8-0C142B7FD65C}" dt="2021-10-29T12:51:42.608" v="1424" actId="1076"/>
+        <pc:picChg chg="add del mod">
+          <ac:chgData name="Karl La Grassa" userId="598be429c4e50114" providerId="LiveId" clId="{405757E6-D4E6-D044-98D8-0C142B7FD65C}" dt="2021-11-09T18:38:52.334" v="2296" actId="478"/>
           <ac:picMkLst>
             <pc:docMk/>
             <pc:sldMk cId="988633631" sldId="260"/>
@@ -5304,36 +5304,6 @@
           </a:p>
         </p:txBody>
       </p:sp>
-      <p:pic>
-        <p:nvPicPr>
-          <p:cNvPr id="5" name="Image 4">
-            <a:extLst>
-              <a:ext uri="{FF2B5EF4-FFF2-40B4-BE49-F238E27FC236}">
-                <a16:creationId xmlns:a16="http://schemas.microsoft.com/office/drawing/2014/main" id="{32E6F9B1-ED6E-E24C-A510-4D6939BED96D}"/>
-              </a:ext>
-            </a:extLst>
-          </p:cNvPr>
-          <p:cNvPicPr>
-            <a:picLocks noChangeAspect="1"/>
-          </p:cNvPicPr>
-          <p:nvPr/>
-        </p:nvPicPr>
-        <p:blipFill>
-          <a:blip r:embed="rId2"/>
-          <a:stretch>
-            <a:fillRect/>
-          </a:stretch>
-        </p:blipFill>
-        <p:spPr>
-          <a:xfrm>
-            <a:off x="1887956" y="1488908"/>
-            <a:ext cx="9221202" cy="4826814"/>
-          </a:xfrm>
-          <a:prstGeom prst="rect">
-            <a:avLst/>
-          </a:prstGeom>
-        </p:spPr>
-      </p:pic>
     </p:spTree>
     <p:extLst>
       <p:ext uri="{BB962C8B-B14F-4D97-AF65-F5344CB8AC3E}">

--- a/presentation.pptx
+++ b/presentation.pptx
@@ -130,7 +130,7 @@
 <file path=ppt/revisionInfo.xml><?xml version="1.0" encoding="utf-8"?>
 <p1510:revInfo xmlns:a="http://schemas.openxmlformats.org/drawingml/2006/main" xmlns:r="http://schemas.openxmlformats.org/officeDocument/2006/relationships" xmlns:p1510="http://schemas.microsoft.com/office/powerpoint/2015/10/main">
   <p1510:revLst>
-    <p1510:client id="{405757E6-D4E6-D044-98D8-0C142B7FD65C}" v="8" dt="2021-11-08T18:59:10.906"/>
+    <p1510:client id="{405757E6-D4E6-D044-98D8-0C142B7FD65C}" v="38" dt="2021-11-09T18:58:59.744"/>
   </p1510:revLst>
 </p1510:revInfo>
 </file>
@@ -140,7 +140,7 @@
   <pc:docChgLst>
     <pc:chgData name="Karl La Grassa" userId="598be429c4e50114" providerId="LiveId" clId="{405757E6-D4E6-D044-98D8-0C142B7FD65C}"/>
     <pc:docChg chg="undo redo custSel addSld modSld">
-      <pc:chgData name="Karl La Grassa" userId="598be429c4e50114" providerId="LiveId" clId="{405757E6-D4E6-D044-98D8-0C142B7FD65C}" dt="2021-11-09T18:38:52.334" v="2296" actId="478"/>
+      <pc:chgData name="Karl La Grassa" userId="598be429c4e50114" providerId="LiveId" clId="{405757E6-D4E6-D044-98D8-0C142B7FD65C}" dt="2021-11-09T19:05:55.655" v="2411" actId="20577"/>
       <pc:docMkLst>
         <pc:docMk/>
       </pc:docMkLst>
@@ -207,7 +207,7 @@
         </pc:picChg>
       </pc:sldChg>
       <pc:sldChg chg="modSp new mod">
-        <pc:chgData name="Karl La Grassa" userId="598be429c4e50114" providerId="LiveId" clId="{405757E6-D4E6-D044-98D8-0C142B7FD65C}" dt="2021-11-08T13:07:34.539" v="1958" actId="20577"/>
+        <pc:chgData name="Karl La Grassa" userId="598be429c4e50114" providerId="LiveId" clId="{405757E6-D4E6-D044-98D8-0C142B7FD65C}" dt="2021-11-09T18:59:24.984" v="2351" actId="20577"/>
         <pc:sldMkLst>
           <pc:docMk/>
           <pc:sldMk cId="1366941571" sldId="258"/>
@@ -221,7 +221,7 @@
           </ac:spMkLst>
         </pc:spChg>
         <pc:spChg chg="mod">
-          <ac:chgData name="Karl La Grassa" userId="598be429c4e50114" providerId="LiveId" clId="{405757E6-D4E6-D044-98D8-0C142B7FD65C}" dt="2021-11-08T13:07:34.539" v="1958" actId="20577"/>
+          <ac:chgData name="Karl La Grassa" userId="598be429c4e50114" providerId="LiveId" clId="{405757E6-D4E6-D044-98D8-0C142B7FD65C}" dt="2021-11-09T18:59:24.984" v="2351" actId="20577"/>
           <ac:spMkLst>
             <pc:docMk/>
             <pc:sldMk cId="1366941571" sldId="258"/>
@@ -317,7 +317,7 @@
         </pc:picChg>
       </pc:sldChg>
       <pc:sldChg chg="addSp delSp modSp new mod setBg setClrOvrMap">
-        <pc:chgData name="Karl La Grassa" userId="598be429c4e50114" providerId="LiveId" clId="{405757E6-D4E6-D044-98D8-0C142B7FD65C}" dt="2021-11-09T18:38:52.334" v="2296" actId="478"/>
+        <pc:chgData name="Karl La Grassa" userId="598be429c4e50114" providerId="LiveId" clId="{405757E6-D4E6-D044-98D8-0C142B7FD65C}" dt="2021-11-09T18:56:41.956" v="2310" actId="1076"/>
         <pc:sldMkLst>
           <pc:docMk/>
           <pc:sldMk cId="988633631" sldId="260"/>
@@ -363,11 +363,27 @@
           </ac:grpSpMkLst>
         </pc:grpChg>
         <pc:picChg chg="add del mod">
+          <ac:chgData name="Karl La Grassa" userId="598be429c4e50114" providerId="LiveId" clId="{405757E6-D4E6-D044-98D8-0C142B7FD65C}" dt="2021-11-09T18:52:47.525" v="2301" actId="478"/>
+          <ac:picMkLst>
+            <pc:docMk/>
+            <pc:sldMk cId="988633631" sldId="260"/>
+            <ac:picMk id="3" creationId="{DC61C3A2-96BA-0340-BDC3-159787A41740}"/>
+          </ac:picMkLst>
+        </pc:picChg>
+        <pc:picChg chg="add del mod">
           <ac:chgData name="Karl La Grassa" userId="598be429c4e50114" providerId="LiveId" clId="{405757E6-D4E6-D044-98D8-0C142B7FD65C}" dt="2021-10-29T12:51:12.839" v="1418" actId="478"/>
           <ac:picMkLst>
             <pc:docMk/>
             <pc:sldMk cId="988633631" sldId="260"/>
             <ac:picMk id="4" creationId="{03801F83-E364-6740-B57F-40B0EF83C5EF}"/>
+          </ac:picMkLst>
+        </pc:picChg>
+        <pc:picChg chg="add del mod">
+          <ac:chgData name="Karl La Grassa" userId="598be429c4e50114" providerId="LiveId" clId="{405757E6-D4E6-D044-98D8-0C142B7FD65C}" dt="2021-11-09T18:56:37.654" v="2307" actId="478"/>
+          <ac:picMkLst>
+            <pc:docMk/>
+            <pc:sldMk cId="988633631" sldId="260"/>
+            <ac:picMk id="4" creationId="{CAB177E5-07B0-2E43-9064-4F780C516ABB}"/>
           </ac:picMkLst>
         </pc:picChg>
         <pc:picChg chg="add del mod">
@@ -378,9 +394,17 @@
             <ac:picMk id="5" creationId="{32E6F9B1-ED6E-E24C-A510-4D6939BED96D}"/>
           </ac:picMkLst>
         </pc:picChg>
+        <pc:picChg chg="add mod">
+          <ac:chgData name="Karl La Grassa" userId="598be429c4e50114" providerId="LiveId" clId="{405757E6-D4E6-D044-98D8-0C142B7FD65C}" dt="2021-11-09T18:56:41.956" v="2310" actId="1076"/>
+          <ac:picMkLst>
+            <pc:docMk/>
+            <pc:sldMk cId="988633631" sldId="260"/>
+            <ac:picMk id="6" creationId="{B3FBF361-B827-0C45-BBCF-2CFFBDE3F6CC}"/>
+          </ac:picMkLst>
+        </pc:picChg>
       </pc:sldChg>
       <pc:sldChg chg="modSp new mod addCm delCm modCm modNotesTx">
-        <pc:chgData name="Karl La Grassa" userId="598be429c4e50114" providerId="LiveId" clId="{405757E6-D4E6-D044-98D8-0C142B7FD65C}" dt="2021-11-08T13:48:28.061" v="2184" actId="33524"/>
+        <pc:chgData name="Karl La Grassa" userId="598be429c4e50114" providerId="LiveId" clId="{405757E6-D4E6-D044-98D8-0C142B7FD65C}" dt="2021-11-09T19:05:55.655" v="2411" actId="20577"/>
         <pc:sldMkLst>
           <pc:docMk/>
           <pc:sldMk cId="414694194" sldId="261"/>
@@ -394,7 +418,7 @@
           </ac:spMkLst>
         </pc:spChg>
         <pc:spChg chg="mod">
-          <ac:chgData name="Karl La Grassa" userId="598be429c4e50114" providerId="LiveId" clId="{405757E6-D4E6-D044-98D8-0C142B7FD65C}" dt="2021-11-08T13:15:23.230" v="2035" actId="20577"/>
+          <ac:chgData name="Karl La Grassa" userId="598be429c4e50114" providerId="LiveId" clId="{405757E6-D4E6-D044-98D8-0C142B7FD65C}" dt="2021-11-09T19:05:55.655" v="2411" actId="20577"/>
           <ac:spMkLst>
             <pc:docMk/>
             <pc:sldMk cId="414694194" sldId="261"/>
@@ -402,14 +426,14 @@
           </ac:spMkLst>
         </pc:spChg>
       </pc:sldChg>
-      <pc:sldChg chg="delSp modSp new mod">
-        <pc:chgData name="Karl La Grassa" userId="598be429c4e50114" providerId="LiveId" clId="{405757E6-D4E6-D044-98D8-0C142B7FD65C}" dt="2021-11-09T13:19:34.965" v="2295" actId="478"/>
+      <pc:sldChg chg="addSp delSp modSp new mod setBg addAnim delAnim setClrOvrMap">
+        <pc:chgData name="Karl La Grassa" userId="598be429c4e50114" providerId="LiveId" clId="{405757E6-D4E6-D044-98D8-0C142B7FD65C}" dt="2021-11-09T19:00:37.599" v="2358" actId="26606"/>
         <pc:sldMkLst>
           <pc:docMk/>
           <pc:sldMk cId="414114458" sldId="262"/>
         </pc:sldMkLst>
         <pc:spChg chg="mod">
-          <ac:chgData name="Karl La Grassa" userId="598be429c4e50114" providerId="LiveId" clId="{405757E6-D4E6-D044-98D8-0C142B7FD65C}" dt="2021-11-09T13:19:31.127" v="2294" actId="20577"/>
+          <ac:chgData name="Karl La Grassa" userId="598be429c4e50114" providerId="LiveId" clId="{405757E6-D4E6-D044-98D8-0C142B7FD65C}" dt="2021-11-09T19:00:37.599" v="2358" actId="26606"/>
           <ac:spMkLst>
             <pc:docMk/>
             <pc:sldMk cId="414114458" sldId="262"/>
@@ -424,6 +448,166 @@
             <ac:spMk id="3" creationId="{4A46F714-2458-A04C-9447-91602EDF1CBA}"/>
           </ac:spMkLst>
         </pc:spChg>
+        <pc:spChg chg="add del">
+          <ac:chgData name="Karl La Grassa" userId="598be429c4e50114" providerId="LiveId" clId="{405757E6-D4E6-D044-98D8-0C142B7FD65C}" dt="2021-11-09T19:00:27.204" v="2353" actId="26606"/>
+          <ac:spMkLst>
+            <pc:docMk/>
+            <pc:sldMk cId="414114458" sldId="262"/>
+            <ac:spMk id="77" creationId="{78511CAE-6AAD-4026-90B0-6917258C1C7E}"/>
+          </ac:spMkLst>
+        </pc:spChg>
+        <pc:spChg chg="add del">
+          <ac:chgData name="Karl La Grassa" userId="598be429c4e50114" providerId="LiveId" clId="{405757E6-D4E6-D044-98D8-0C142B7FD65C}" dt="2021-11-09T19:00:27.204" v="2353" actId="26606"/>
+          <ac:spMkLst>
+            <pc:docMk/>
+            <pc:sldMk cId="414114458" sldId="262"/>
+            <ac:spMk id="79" creationId="{7388763A-4025-4433-A72C-457FC3763E58}"/>
+          </ac:spMkLst>
+        </pc:spChg>
+        <pc:spChg chg="add del">
+          <ac:chgData name="Karl La Grassa" userId="598be429c4e50114" providerId="LiveId" clId="{405757E6-D4E6-D044-98D8-0C142B7FD65C}" dt="2021-11-09T19:00:27.204" v="2353" actId="26606"/>
+          <ac:spMkLst>
+            <pc:docMk/>
+            <pc:sldMk cId="414114458" sldId="262"/>
+            <ac:spMk id="81" creationId="{8A2DFE20-1EAE-45A9-AD16-D4DBD0ABBBC7}"/>
+          </ac:spMkLst>
+        </pc:spChg>
+        <pc:spChg chg="add del">
+          <ac:chgData name="Karl La Grassa" userId="598be429c4e50114" providerId="LiveId" clId="{405757E6-D4E6-D044-98D8-0C142B7FD65C}" dt="2021-11-09T19:00:32.461" v="2356" actId="26606"/>
+          <ac:spMkLst>
+            <pc:docMk/>
+            <pc:sldMk cId="414114458" sldId="262"/>
+            <ac:spMk id="83" creationId="{9C77E800-FF01-449B-A776-7FB39BAA2E09}"/>
+          </ac:spMkLst>
+        </pc:spChg>
+        <pc:spChg chg="add del">
+          <ac:chgData name="Karl La Grassa" userId="598be429c4e50114" providerId="LiveId" clId="{405757E6-D4E6-D044-98D8-0C142B7FD65C}" dt="2021-11-09T19:00:32.461" v="2356" actId="26606"/>
+          <ac:spMkLst>
+            <pc:docMk/>
+            <pc:sldMk cId="414114458" sldId="262"/>
+            <ac:spMk id="85" creationId="{7B1FFF1B-D8E7-43C1-963D-013BA4049457}"/>
+          </ac:spMkLst>
+        </pc:spChg>
+        <pc:spChg chg="add del">
+          <ac:chgData name="Karl La Grassa" userId="598be429c4e50114" providerId="LiveId" clId="{405757E6-D4E6-D044-98D8-0C142B7FD65C}" dt="2021-11-09T19:00:32.461" v="2356" actId="26606"/>
+          <ac:spMkLst>
+            <pc:docMk/>
+            <pc:sldMk cId="414114458" sldId="262"/>
+            <ac:spMk id="87" creationId="{47ECCCB8-3506-4AB6-BD29-E3E7C965EAA0}"/>
+          </ac:spMkLst>
+        </pc:spChg>
+        <pc:spChg chg="add del">
+          <ac:chgData name="Karl La Grassa" userId="598be429c4e50114" providerId="LiveId" clId="{405757E6-D4E6-D044-98D8-0C142B7FD65C}" dt="2021-11-09T19:00:32.461" v="2356" actId="26606"/>
+          <ac:spMkLst>
+            <pc:docMk/>
+            <pc:sldMk cId="414114458" sldId="262"/>
+            <ac:spMk id="89" creationId="{D8968742-1D40-4F6B-9272-064FD1631BB9}"/>
+          </ac:spMkLst>
+        </pc:spChg>
+        <pc:spChg chg="add del">
+          <ac:chgData name="Karl La Grassa" userId="598be429c4e50114" providerId="LiveId" clId="{405757E6-D4E6-D044-98D8-0C142B7FD65C}" dt="2021-11-09T19:00:32.461" v="2356" actId="26606"/>
+          <ac:spMkLst>
+            <pc:docMk/>
+            <pc:sldMk cId="414114458" sldId="262"/>
+            <ac:spMk id="1031" creationId="{D9D9D0AB-1E2F-44A8-B9C6-FA4098301883}"/>
+          </ac:spMkLst>
+        </pc:spChg>
+        <pc:spChg chg="add del">
+          <ac:chgData name="Karl La Grassa" userId="598be429c4e50114" providerId="LiveId" clId="{405757E6-D4E6-D044-98D8-0C142B7FD65C}" dt="2021-11-09T19:00:32.461" v="2356" actId="26606"/>
+          <ac:spMkLst>
+            <pc:docMk/>
+            <pc:sldMk cId="414114458" sldId="262"/>
+            <ac:spMk id="1032" creationId="{1C6F9611-3A25-4FAD-9475-8A766097925A}"/>
+          </ac:spMkLst>
+        </pc:spChg>
+        <pc:spChg chg="add del">
+          <ac:chgData name="Karl La Grassa" userId="598be429c4e50114" providerId="LiveId" clId="{405757E6-D4E6-D044-98D8-0C142B7FD65C}" dt="2021-11-09T19:00:32.461" v="2356" actId="26606"/>
+          <ac:spMkLst>
+            <pc:docMk/>
+            <pc:sldMk cId="414114458" sldId="262"/>
+            <ac:spMk id="1033" creationId="{2CAFBD32-D3B9-4AA1-8A52-E7788A9556B8}"/>
+          </ac:spMkLst>
+        </pc:spChg>
+        <pc:spChg chg="add del">
+          <ac:chgData name="Karl La Grassa" userId="598be429c4e50114" providerId="LiveId" clId="{405757E6-D4E6-D044-98D8-0C142B7FD65C}" dt="2021-11-09T19:00:37.599" v="2358" actId="26606"/>
+          <ac:spMkLst>
+            <pc:docMk/>
+            <pc:sldMk cId="414114458" sldId="262"/>
+            <ac:spMk id="1035" creationId="{7BB74091-09FE-44AF-8325-7FE6E175F727}"/>
+          </ac:spMkLst>
+        </pc:spChg>
+        <pc:spChg chg="add del">
+          <ac:chgData name="Karl La Grassa" userId="598be429c4e50114" providerId="LiveId" clId="{405757E6-D4E6-D044-98D8-0C142B7FD65C}" dt="2021-11-09T19:00:37.599" v="2358" actId="26606"/>
+          <ac:spMkLst>
+            <pc:docMk/>
+            <pc:sldMk cId="414114458" sldId="262"/>
+            <ac:spMk id="1036" creationId="{0F30CCEB-94C4-4F72-BA5A-9CEA853022DA}"/>
+          </ac:spMkLst>
+        </pc:spChg>
+        <pc:spChg chg="add del">
+          <ac:chgData name="Karl La Grassa" userId="598be429c4e50114" providerId="LiveId" clId="{405757E6-D4E6-D044-98D8-0C142B7FD65C}" dt="2021-11-09T19:00:37.599" v="2358" actId="26606"/>
+          <ac:spMkLst>
+            <pc:docMk/>
+            <pc:sldMk cId="414114458" sldId="262"/>
+            <ac:spMk id="1037" creationId="{0DE1A94F-CC8B-4954-97A7-ADD4F300D647}"/>
+          </ac:spMkLst>
+        </pc:spChg>
+        <pc:grpChg chg="add del">
+          <ac:chgData name="Karl La Grassa" userId="598be429c4e50114" providerId="LiveId" clId="{405757E6-D4E6-D044-98D8-0C142B7FD65C}" dt="2021-11-09T19:00:27.204" v="2353" actId="26606"/>
+          <ac:grpSpMkLst>
+            <pc:docMk/>
+            <pc:sldMk cId="414114458" sldId="262"/>
+            <ac:grpSpMk id="73" creationId="{57500303-A207-4812-BEB9-51E132FEB73F}"/>
+          </ac:grpSpMkLst>
+        </pc:grpChg>
+        <pc:grpChg chg="add del">
+          <ac:chgData name="Karl La Grassa" userId="598be429c4e50114" providerId="LiveId" clId="{405757E6-D4E6-D044-98D8-0C142B7FD65C}" dt="2021-11-09T19:00:32.461" v="2356" actId="26606"/>
+          <ac:grpSpMkLst>
+            <pc:docMk/>
+            <pc:sldMk cId="414114458" sldId="262"/>
+            <ac:grpSpMk id="1030" creationId="{127CAEB6-2762-403E-98B1-8B96D27C6302}"/>
+          </ac:grpSpMkLst>
+        </pc:grpChg>
+        <pc:grpChg chg="add del">
+          <ac:chgData name="Karl La Grassa" userId="598be429c4e50114" providerId="LiveId" clId="{405757E6-D4E6-D044-98D8-0C142B7FD65C}" dt="2021-11-09T19:00:37.599" v="2358" actId="26606"/>
+          <ac:grpSpMkLst>
+            <pc:docMk/>
+            <pc:sldMk cId="414114458" sldId="262"/>
+            <ac:grpSpMk id="1034" creationId="{127CAEB6-2762-403E-98B1-8B96D27C6302}"/>
+          </ac:grpSpMkLst>
+        </pc:grpChg>
+        <pc:picChg chg="add mod ord">
+          <ac:chgData name="Karl La Grassa" userId="598be429c4e50114" providerId="LiveId" clId="{405757E6-D4E6-D044-98D8-0C142B7FD65C}" dt="2021-11-09T19:00:37.599" v="2358" actId="26606"/>
+          <ac:picMkLst>
+            <pc:docMk/>
+            <pc:sldMk cId="414114458" sldId="262"/>
+            <ac:picMk id="3" creationId="{E341E797-3EC3-2D41-98F8-66B8FD162EC3}"/>
+          </ac:picMkLst>
+        </pc:picChg>
+        <pc:picChg chg="add mod">
+          <ac:chgData name="Karl La Grassa" userId="598be429c4e50114" providerId="LiveId" clId="{405757E6-D4E6-D044-98D8-0C142B7FD65C}" dt="2021-11-09T19:00:37.599" v="2358" actId="26606"/>
+          <ac:picMkLst>
+            <pc:docMk/>
+            <pc:sldMk cId="414114458" sldId="262"/>
+            <ac:picMk id="4" creationId="{A0626093-9D94-2A41-AE5E-18C8A44B8A72}"/>
+          </ac:picMkLst>
+        </pc:picChg>
+        <pc:picChg chg="add mod ord">
+          <ac:chgData name="Karl La Grassa" userId="598be429c4e50114" providerId="LiveId" clId="{405757E6-D4E6-D044-98D8-0C142B7FD65C}" dt="2021-11-09T19:00:37.599" v="2358" actId="26606"/>
+          <ac:picMkLst>
+            <pc:docMk/>
+            <pc:sldMk cId="414114458" sldId="262"/>
+            <ac:picMk id="1026" creationId="{DA5B9237-0BBD-9247-B4E1-6B22689259C7}"/>
+          </ac:picMkLst>
+        </pc:picChg>
+        <pc:picChg chg="add mod ord">
+          <ac:chgData name="Karl La Grassa" userId="598be429c4e50114" providerId="LiveId" clId="{405757E6-D4E6-D044-98D8-0C142B7FD65C}" dt="2021-11-09T19:00:37.599" v="2358" actId="26606"/>
+          <ac:picMkLst>
+            <pc:docMk/>
+            <pc:sldMk cId="414114458" sldId="262"/>
+            <ac:picMk id="1028" creationId="{A2A80EB6-9C50-0941-97B3-4AF99391FFA8}"/>
+          </ac:picMkLst>
+        </pc:picChg>
       </pc:sldChg>
     </pc:docChg>
   </pc:docChgLst>
@@ -5093,7 +5277,7 @@
           <a:p>
             <a:r>
               <a:rPr lang="fr-FR" dirty="0"/>
-              <a:t>Observables : Capteurs de température et de lumières</a:t>
+              <a:t>Observables : Capteurs de température et de lumière</a:t>
             </a:r>
           </a:p>
           <a:p>
@@ -5304,6 +5488,36 @@
           </a:p>
         </p:txBody>
       </p:sp>
+      <p:pic>
+        <p:nvPicPr>
+          <p:cNvPr id="6" name="Image 5">
+            <a:extLst>
+              <a:ext uri="{FF2B5EF4-FFF2-40B4-BE49-F238E27FC236}">
+                <a16:creationId xmlns:a16="http://schemas.microsoft.com/office/drawing/2014/main" id="{B3FBF361-B827-0C45-BBCF-2CFFBDE3F6CC}"/>
+              </a:ext>
+            </a:extLst>
+          </p:cNvPr>
+          <p:cNvPicPr>
+            <a:picLocks noChangeAspect="1"/>
+          </p:cNvPicPr>
+          <p:nvPr/>
+        </p:nvPicPr>
+        <p:blipFill>
+          <a:blip r:embed="rId2"/>
+          <a:stretch>
+            <a:fillRect/>
+          </a:stretch>
+        </p:blipFill>
+        <p:spPr>
+          <a:xfrm>
+            <a:off x="2433981" y="1748536"/>
+            <a:ext cx="7324038" cy="4617568"/>
+          </a:xfrm>
+          <a:prstGeom prst="rect">
+            <a:avLst/>
+          </a:prstGeom>
+        </p:spPr>
+      </p:pic>
     </p:spTree>
     <p:extLst>
       <p:ext uri="{BB962C8B-B14F-4D97-AF65-F5344CB8AC3E}">
@@ -5356,12 +5570,167 @@
           <a:lstStyle/>
           <a:p>
             <a:r>
-              <a:rPr lang="fr-FR" dirty="0"/>
+              <a:rPr lang="fr-FR"/>
               <a:t>Observer : Extraits de code</a:t>
             </a:r>
-          </a:p>
-        </p:txBody>
-      </p:sp>
+            <a:endParaRPr lang="fr-FR" dirty="0"/>
+          </a:p>
+        </p:txBody>
+      </p:sp>
+      <p:pic>
+        <p:nvPicPr>
+          <p:cNvPr id="1026" name="Picture 2">
+            <a:extLst>
+              <a:ext uri="{FF2B5EF4-FFF2-40B4-BE49-F238E27FC236}">
+                <a16:creationId xmlns:a16="http://schemas.microsoft.com/office/drawing/2014/main" id="{DA5B9237-0BBD-9247-B4E1-6B22689259C7}"/>
+              </a:ext>
+            </a:extLst>
+          </p:cNvPr>
+          <p:cNvPicPr>
+            <a:picLocks noChangeAspect="1" noChangeArrowheads="1"/>
+          </p:cNvPicPr>
+          <p:nvPr/>
+        </p:nvPicPr>
+        <p:blipFill>
+          <a:blip r:embed="rId2">
+            <a:extLst>
+              <a:ext uri="{28A0092B-C50C-407E-A947-70E740481C1C}">
+                <a14:useLocalDpi xmlns:a14="http://schemas.microsoft.com/office/drawing/2010/main" val="0"/>
+              </a:ext>
+            </a:extLst>
+          </a:blip>
+          <a:srcRect/>
+          <a:stretch>
+            <a:fillRect/>
+          </a:stretch>
+        </p:blipFill>
+        <p:spPr bwMode="auto">
+          <a:xfrm>
+            <a:off x="4792875" y="1310326"/>
+            <a:ext cx="6645076" cy="5453406"/>
+          </a:xfrm>
+          <a:prstGeom prst="rect">
+            <a:avLst/>
+          </a:prstGeom>
+          <a:noFill/>
+          <a:extLst>
+            <a:ext uri="{909E8E84-426E-40DD-AFC4-6F175D3DCCD1}">
+              <a14:hiddenFill xmlns:a14="http://schemas.microsoft.com/office/drawing/2010/main">
+                <a:solidFill>
+                  <a:srgbClr val="FFFFFF"/>
+                </a:solidFill>
+              </a14:hiddenFill>
+            </a:ext>
+          </a:extLst>
+        </p:spPr>
+      </p:pic>
+      <p:pic>
+        <p:nvPicPr>
+          <p:cNvPr id="1028" name="Picture 4">
+            <a:extLst>
+              <a:ext uri="{FF2B5EF4-FFF2-40B4-BE49-F238E27FC236}">
+                <a16:creationId xmlns:a16="http://schemas.microsoft.com/office/drawing/2014/main" id="{A2A80EB6-9C50-0941-97B3-4AF99391FFA8}"/>
+              </a:ext>
+            </a:extLst>
+          </p:cNvPr>
+          <p:cNvPicPr>
+            <a:picLocks noChangeAspect="1" noChangeArrowheads="1"/>
+          </p:cNvPicPr>
+          <p:nvPr/>
+        </p:nvPicPr>
+        <p:blipFill>
+          <a:blip r:embed="rId3">
+            <a:extLst>
+              <a:ext uri="{28A0092B-C50C-407E-A947-70E740481C1C}">
+                <a14:useLocalDpi xmlns:a14="http://schemas.microsoft.com/office/drawing/2010/main" val="0"/>
+              </a:ext>
+            </a:extLst>
+          </a:blip>
+          <a:srcRect/>
+          <a:stretch>
+            <a:fillRect/>
+          </a:stretch>
+        </p:blipFill>
+        <p:spPr bwMode="auto">
+          <a:xfrm>
+            <a:off x="520553" y="2033574"/>
+            <a:ext cx="4182112" cy="2209997"/>
+          </a:xfrm>
+          <a:prstGeom prst="rect">
+            <a:avLst/>
+          </a:prstGeom>
+          <a:noFill/>
+          <a:extLst>
+            <a:ext uri="{909E8E84-426E-40DD-AFC4-6F175D3DCCD1}">
+              <a14:hiddenFill xmlns:a14="http://schemas.microsoft.com/office/drawing/2010/main">
+                <a:solidFill>
+                  <a:srgbClr val="FFFFFF"/>
+                </a:solidFill>
+              </a14:hiddenFill>
+            </a:ext>
+          </a:extLst>
+        </p:spPr>
+      </p:pic>
+      <p:pic>
+        <p:nvPicPr>
+          <p:cNvPr id="3" name="Image 2">
+            <a:extLst>
+              <a:ext uri="{FF2B5EF4-FFF2-40B4-BE49-F238E27FC236}">
+                <a16:creationId xmlns:a16="http://schemas.microsoft.com/office/drawing/2014/main" id="{E341E797-3EC3-2D41-98F8-66B8FD162EC3}"/>
+              </a:ext>
+            </a:extLst>
+          </p:cNvPr>
+          <p:cNvPicPr>
+            <a:picLocks noChangeAspect="1"/>
+          </p:cNvPicPr>
+          <p:nvPr/>
+        </p:nvPicPr>
+        <p:blipFill>
+          <a:blip r:embed="rId4"/>
+          <a:stretch>
+            <a:fillRect/>
+          </a:stretch>
+        </p:blipFill>
+        <p:spPr>
+          <a:xfrm>
+            <a:off x="7905865" y="207951"/>
+            <a:ext cx="3934201" cy="1963749"/>
+          </a:xfrm>
+          <a:prstGeom prst="rect">
+            <a:avLst/>
+          </a:prstGeom>
+        </p:spPr>
+      </p:pic>
+      <p:pic>
+        <p:nvPicPr>
+          <p:cNvPr id="4" name="Image 3">
+            <a:extLst>
+              <a:ext uri="{FF2B5EF4-FFF2-40B4-BE49-F238E27FC236}">
+                <a16:creationId xmlns:a16="http://schemas.microsoft.com/office/drawing/2014/main" id="{A0626093-9D94-2A41-AE5E-18C8A44B8A72}"/>
+              </a:ext>
+            </a:extLst>
+          </p:cNvPr>
+          <p:cNvPicPr>
+            <a:picLocks noChangeAspect="1"/>
+          </p:cNvPicPr>
+          <p:nvPr/>
+        </p:nvPicPr>
+        <p:blipFill>
+          <a:blip r:embed="rId5"/>
+          <a:stretch>
+            <a:fillRect/>
+          </a:stretch>
+        </p:blipFill>
+        <p:spPr>
+          <a:xfrm>
+            <a:off x="520553" y="4912874"/>
+            <a:ext cx="4182112" cy="1549200"/>
+          </a:xfrm>
+          <a:prstGeom prst="rect">
+            <a:avLst/>
+          </a:prstGeom>
+        </p:spPr>
+      </p:pic>
     </p:spTree>
     <p:extLst>
       <p:ext uri="{BB962C8B-B14F-4D97-AF65-F5344CB8AC3E}">
@@ -5490,6 +5859,30 @@
               <a:rPr lang="fr-FR" dirty="0"/>
               <a:t>Lié aux design pattern suivants :</a:t>
             </a:r>
+          </a:p>
+          <a:p>
+            <a:pPr lvl="1"/>
+            <a:r>
+              <a:rPr lang="fr-FR" dirty="0" err="1"/>
+              <a:t>Publish-subscribe</a:t>
+            </a:r>
+            <a:endParaRPr lang="fr-FR" dirty="0"/>
+          </a:p>
+          <a:p>
+            <a:pPr lvl="1"/>
+            <a:r>
+              <a:rPr lang="fr-FR" dirty="0"/>
+              <a:t>MVC (Model </a:t>
+            </a:r>
+            <a:r>
+              <a:rPr lang="fr-FR" dirty="0" err="1"/>
+              <a:t>View</a:t>
+            </a:r>
+            <a:r>
+              <a:rPr lang="fr-FR"/>
+              <a:t> Controller)</a:t>
+            </a:r>
+            <a:endParaRPr lang="fr-FR" dirty="0"/>
           </a:p>
         </p:txBody>
       </p:sp>

--- a/presentation.pptx
+++ b/presentation.pptx
@@ -130,7 +130,7 @@
 <file path=ppt/revisionInfo.xml><?xml version="1.0" encoding="utf-8"?>
 <p1510:revInfo xmlns:a="http://schemas.openxmlformats.org/drawingml/2006/main" xmlns:r="http://schemas.openxmlformats.org/officeDocument/2006/relationships" xmlns:p1510="http://schemas.microsoft.com/office/powerpoint/2015/10/main">
   <p1510:revLst>
-    <p1510:client id="{405757E6-D4E6-D044-98D8-0C142B7FD65C}" v="38" dt="2021-11-09T18:58:59.744"/>
+    <p1510:client id="{405757E6-D4E6-D044-98D8-0C142B7FD65C}" v="7" dt="2021-11-11T16:18:20.629"/>
   </p1510:revLst>
 </p1510:revInfo>
 </file>
@@ -140,7 +140,7 @@
   <pc:docChgLst>
     <pc:chgData name="Karl La Grassa" userId="598be429c4e50114" providerId="LiveId" clId="{405757E6-D4E6-D044-98D8-0C142B7FD65C}"/>
     <pc:docChg chg="undo redo custSel addSld modSld">
-      <pc:chgData name="Karl La Grassa" userId="598be429c4e50114" providerId="LiveId" clId="{405757E6-D4E6-D044-98D8-0C142B7FD65C}" dt="2021-11-09T19:05:55.655" v="2411" actId="20577"/>
+      <pc:chgData name="Karl La Grassa" userId="598be429c4e50114" providerId="LiveId" clId="{405757E6-D4E6-D044-98D8-0C142B7FD65C}" dt="2021-11-11T16:18:20.629" v="2418" actId="1076"/>
       <pc:docMkLst>
         <pc:docMk/>
       </pc:docMkLst>
@@ -317,7 +317,7 @@
         </pc:picChg>
       </pc:sldChg>
       <pc:sldChg chg="addSp delSp modSp new mod setBg setClrOvrMap">
-        <pc:chgData name="Karl La Grassa" userId="598be429c4e50114" providerId="LiveId" clId="{405757E6-D4E6-D044-98D8-0C142B7FD65C}" dt="2021-11-09T18:56:41.956" v="2310" actId="1076"/>
+        <pc:chgData name="Karl La Grassa" userId="598be429c4e50114" providerId="LiveId" clId="{405757E6-D4E6-D044-98D8-0C142B7FD65C}" dt="2021-11-11T16:18:20.629" v="2418" actId="1076"/>
         <pc:sldMkLst>
           <pc:docMk/>
           <pc:sldMk cId="988633631" sldId="260"/>
@@ -363,6 +363,14 @@
           </ac:grpSpMkLst>
         </pc:grpChg>
         <pc:picChg chg="add del mod">
+          <ac:chgData name="Karl La Grassa" userId="598be429c4e50114" providerId="LiveId" clId="{405757E6-D4E6-D044-98D8-0C142B7FD65C}" dt="2021-11-11T16:18:17.739" v="2416" actId="478"/>
+          <ac:picMkLst>
+            <pc:docMk/>
+            <pc:sldMk cId="988633631" sldId="260"/>
+            <ac:picMk id="3" creationId="{CBEAD852-FB54-754C-A610-3AFA5AEAAB3B}"/>
+          </ac:picMkLst>
+        </pc:picChg>
+        <pc:picChg chg="add del mod">
           <ac:chgData name="Karl La Grassa" userId="598be429c4e50114" providerId="LiveId" clId="{405757E6-D4E6-D044-98D8-0C142B7FD65C}" dt="2021-11-09T18:52:47.525" v="2301" actId="478"/>
           <ac:picMkLst>
             <pc:docMk/>
@@ -376,6 +384,14 @@
             <pc:docMk/>
             <pc:sldMk cId="988633631" sldId="260"/>
             <ac:picMk id="4" creationId="{03801F83-E364-6740-B57F-40B0EF83C5EF}"/>
+          </ac:picMkLst>
+        </pc:picChg>
+        <pc:picChg chg="add mod">
+          <ac:chgData name="Karl La Grassa" userId="598be429c4e50114" providerId="LiveId" clId="{405757E6-D4E6-D044-98D8-0C142B7FD65C}" dt="2021-11-11T16:18:20.629" v="2418" actId="1076"/>
+          <ac:picMkLst>
+            <pc:docMk/>
+            <pc:sldMk cId="988633631" sldId="260"/>
+            <ac:picMk id="4" creationId="{4C59C47A-E6DF-B74F-85C3-0CBBF1982376}"/>
           </ac:picMkLst>
         </pc:picChg>
         <pc:picChg chg="add del mod">
@@ -394,8 +410,8 @@
             <ac:picMk id="5" creationId="{32E6F9B1-ED6E-E24C-A510-4D6939BED96D}"/>
           </ac:picMkLst>
         </pc:picChg>
-        <pc:picChg chg="add mod">
-          <ac:chgData name="Karl La Grassa" userId="598be429c4e50114" providerId="LiveId" clId="{405757E6-D4E6-D044-98D8-0C142B7FD65C}" dt="2021-11-09T18:56:41.956" v="2310" actId="1076"/>
+        <pc:picChg chg="add del mod">
+          <ac:chgData name="Karl La Grassa" userId="598be429c4e50114" providerId="LiveId" clId="{405757E6-D4E6-D044-98D8-0C142B7FD65C}" dt="2021-11-11T16:16:13.176" v="2412" actId="478"/>
           <ac:picMkLst>
             <pc:docMk/>
             <pc:sldMk cId="988633631" sldId="260"/>
@@ -611,6 +627,51 @@
       </pc:sldChg>
     </pc:docChg>
   </pc:docChgLst>
+  <pc:docChgLst>
+    <pc:chgData name="Karl La Grassa" userId="598be429c4e50114" providerId="LiveId" clId="{09C47FEE-2A41-4867-B90C-060738716AF3}"/>
+    <pc:docChg chg="custSel modSld">
+      <pc:chgData name="Karl La Grassa" userId="598be429c4e50114" providerId="LiveId" clId="{09C47FEE-2A41-4867-B90C-060738716AF3}" dt="2021-11-11T16:06:43.733" v="1693" actId="20577"/>
+      <pc:docMkLst>
+        <pc:docMk/>
+      </pc:docMkLst>
+      <pc:sldChg chg="modNotesTx">
+        <pc:chgData name="Karl La Grassa" userId="598be429c4e50114" providerId="LiveId" clId="{09C47FEE-2A41-4867-B90C-060738716AF3}" dt="2021-11-11T16:06:43.733" v="1693" actId="20577"/>
+        <pc:sldMkLst>
+          <pc:docMk/>
+          <pc:sldMk cId="3461207568" sldId="257"/>
+        </pc:sldMkLst>
+      </pc:sldChg>
+      <pc:sldChg chg="modNotesTx">
+        <pc:chgData name="Karl La Grassa" userId="598be429c4e50114" providerId="LiveId" clId="{09C47FEE-2A41-4867-B90C-060738716AF3}" dt="2021-11-11T16:03:19.047" v="1605" actId="20577"/>
+        <pc:sldMkLst>
+          <pc:docMk/>
+          <pc:sldMk cId="546149401" sldId="259"/>
+        </pc:sldMkLst>
+      </pc:sldChg>
+      <pc:sldChg chg="modSp mod modNotesTx">
+        <pc:chgData name="Karl La Grassa" userId="598be429c4e50114" providerId="LiveId" clId="{09C47FEE-2A41-4867-B90C-060738716AF3}" dt="2021-11-11T15:55:57.877" v="1587" actId="27636"/>
+        <pc:sldMkLst>
+          <pc:docMk/>
+          <pc:sldMk cId="414694194" sldId="261"/>
+        </pc:sldMkLst>
+        <pc:spChg chg="mod">
+          <ac:chgData name="Karl La Grassa" userId="598be429c4e50114" providerId="LiveId" clId="{09C47FEE-2A41-4867-B90C-060738716AF3}" dt="2021-11-11T15:55:57.877" v="1587" actId="27636"/>
+          <ac:spMkLst>
+            <pc:docMk/>
+            <pc:sldMk cId="414694194" sldId="261"/>
+            <ac:spMk id="3" creationId="{1F08AC6A-A1E1-FB4E-9F38-4FC63E230478}"/>
+          </ac:spMkLst>
+        </pc:spChg>
+      </pc:sldChg>
+      <pc:sldChg chg="modNotesTx">
+        <pc:chgData name="Karl La Grassa" userId="598be429c4e50114" providerId="LiveId" clId="{09C47FEE-2A41-4867-B90C-060738716AF3}" dt="2021-11-11T15:48:29.220" v="997" actId="20577"/>
+        <pc:sldMkLst>
+          <pc:docMk/>
+          <pc:sldMk cId="414114458" sldId="262"/>
+        </pc:sldMkLst>
+      </pc:sldChg>
+    </pc:docChg>
+  </pc:docChgLst>
 </pc:chgInfo>
 </file>
 
@@ -696,7 +757,7 @@
           <a:p>
             <a:fld id="{C087B5CB-4C39-3A4F-BE4E-83ACC8C4503F}" type="datetimeFigureOut">
               <a:rPr lang="fr-FR" smtClean="0"/>
-              <a:t>09/11/2021</a:t>
+              <a:t>11/11/2021</a:t>
             </a:fld>
             <a:endParaRPr lang="fr-FR"/>
           </a:p>
@@ -1007,35 +1068,6 @@
           <a:bodyPr/>
           <a:lstStyle/>
           <a:p>
-            <a:pPr marL="0" marR="0" lvl="0" indent="0" algn="l" defTabSz="914400" rtl="0" eaLnBrk="1" fontAlgn="auto" latinLnBrk="0" hangingPunct="1">
-              <a:lnSpc>
-                <a:spcPct val="100000"/>
-              </a:lnSpc>
-              <a:spcBef>
-                <a:spcPts val="0"/>
-              </a:spcBef>
-              <a:spcAft>
-                <a:spcPts val="0"/>
-              </a:spcAft>
-              <a:buClrTx/>
-              <a:buSzTx/>
-              <a:buFontTx/>
-              <a:buNone/>
-              <a:tabLst/>
-              <a:defRPr/>
-            </a:pPr>
-            <a:r>
-              <a:rPr lang="fr-FR" dirty="0">
-                <a:solidFill>
-                  <a:srgbClr val="3F3F3F"/>
-                </a:solidFill>
-                <a:effectLst/>
-                <a:latin typeface="Helvetica" pitchFamily="2" charset="0"/>
-              </a:rPr>
-              <a:t>Les design pattern comportementaux permettent de « fluidifier » les processus de commandes et de contrôles entre les classes</a:t>
-            </a:r>
-          </a:p>
-          <a:p>
             <a:endParaRPr lang="fr-FR" dirty="0"/>
           </a:p>
         </p:txBody>
@@ -1057,7 +1089,7 @@
           <a:p>
             <a:fld id="{6465C638-4572-9440-81E7-E059EFD4A429}" type="slidenum">
               <a:rPr lang="fr-FR" smtClean="0"/>
-              <a:t>2</a:t>
+              <a:t>1</a:t>
             </a:fld>
             <a:endParaRPr lang="fr-FR"/>
           </a:p>
@@ -1066,7 +1098,7 @@
     </p:spTree>
     <p:extLst>
       <p:ext uri="{BB962C8B-B14F-4D97-AF65-F5344CB8AC3E}">
-        <p14:creationId xmlns:p14="http://schemas.microsoft.com/office/powerpoint/2010/main" val="2379607043"/>
+        <p14:creationId xmlns:p14="http://schemas.microsoft.com/office/powerpoint/2010/main" val="1452165079"/>
       </p:ext>
     </p:extLst>
   </p:cSld>
@@ -1145,11 +1177,655 @@
                 <a:effectLst/>
                 <a:latin typeface="Helvetica" pitchFamily="2" charset="0"/>
               </a:rPr>
+              <a:t>Les design pattern comportementaux permettent de « fluidifier » les processus de commandes et de contrôles entre les classes</a:t>
+            </a:r>
+          </a:p>
+          <a:p>
+            <a:pPr marL="0" marR="0" lvl="0" indent="0" algn="l" defTabSz="914400" rtl="0" eaLnBrk="1" fontAlgn="auto" latinLnBrk="0" hangingPunct="1">
+              <a:lnSpc>
+                <a:spcPct val="100000"/>
+              </a:lnSpc>
+              <a:spcBef>
+                <a:spcPts val="0"/>
+              </a:spcBef>
+              <a:spcAft>
+                <a:spcPts val="0"/>
+              </a:spcAft>
+              <a:buClrTx/>
+              <a:buSzTx/>
+              <a:buFontTx/>
+              <a:buNone/>
+              <a:tabLst/>
+              <a:defRPr/>
+            </a:pPr>
+            <a:endParaRPr lang="fr-FR" dirty="0">
+              <a:solidFill>
+                <a:srgbClr val="3F3F3F"/>
+              </a:solidFill>
+              <a:effectLst/>
+              <a:latin typeface="Helvetica" pitchFamily="2" charset="0"/>
+            </a:endParaRPr>
+          </a:p>
+          <a:p>
+            <a:pPr marL="0" marR="0" lvl="0" indent="0" algn="l" defTabSz="914400" rtl="0" eaLnBrk="1" fontAlgn="auto" latinLnBrk="0" hangingPunct="1">
+              <a:lnSpc>
+                <a:spcPct val="100000"/>
+              </a:lnSpc>
+              <a:spcBef>
+                <a:spcPts val="0"/>
+              </a:spcBef>
+              <a:spcAft>
+                <a:spcPts val="0"/>
+              </a:spcAft>
+              <a:buClrTx/>
+              <a:buSzTx/>
+              <a:buFontTx/>
+              <a:buNone/>
+              <a:tabLst/>
+              <a:defRPr/>
+            </a:pPr>
+            <a:r>
+              <a:rPr lang="fr-FR" dirty="0">
+                <a:solidFill>
+                  <a:srgbClr val="3F3F3F"/>
+                </a:solidFill>
+                <a:effectLst/>
+                <a:latin typeface="Helvetica" pitchFamily="2" charset="0"/>
+              </a:rPr>
+              <a:t>Diagramme UML : deux classes abstraites (Sujet et Observateur) </a:t>
+            </a:r>
+          </a:p>
+          <a:p>
+            <a:endParaRPr lang="fr-FR" dirty="0"/>
+          </a:p>
+        </p:txBody>
+      </p:sp>
+      <p:sp>
+        <p:nvSpPr>
+          <p:cNvPr id="4" name="Espace réservé du numéro de diapositive 3"/>
+          <p:cNvSpPr>
+            <a:spLocks noGrp="1"/>
+          </p:cNvSpPr>
+          <p:nvPr>
+            <p:ph type="sldNum" sz="quarter" idx="5"/>
+          </p:nvPr>
+        </p:nvSpPr>
+        <p:spPr/>
+        <p:txBody>
+          <a:bodyPr/>
+          <a:lstStyle/>
+          <a:p>
+            <a:fld id="{6465C638-4572-9440-81E7-E059EFD4A429}" type="slidenum">
+              <a:rPr lang="fr-FR" smtClean="0"/>
+              <a:t>2</a:t>
+            </a:fld>
+            <a:endParaRPr lang="fr-FR"/>
+          </a:p>
+        </p:txBody>
+      </p:sp>
+    </p:spTree>
+    <p:extLst>
+      <p:ext uri="{BB962C8B-B14F-4D97-AF65-F5344CB8AC3E}">
+        <p14:creationId xmlns:p14="http://schemas.microsoft.com/office/powerpoint/2010/main" val="2379607043"/>
+      </p:ext>
+    </p:extLst>
+  </p:cSld>
+  <p:clrMapOvr>
+    <a:masterClrMapping/>
+  </p:clrMapOvr>
+</p:notes>
+</file>
+
+<file path=ppt/notesSlides/notesSlide3.xml><?xml version="1.0" encoding="utf-8"?>
+<p:notes xmlns:a="http://schemas.openxmlformats.org/drawingml/2006/main" xmlns:r="http://schemas.openxmlformats.org/officeDocument/2006/relationships" xmlns:p="http://schemas.openxmlformats.org/presentationml/2006/main">
+  <p:cSld>
+    <p:spTree>
+      <p:nvGrpSpPr>
+        <p:cNvPr id="1" name=""/>
+        <p:cNvGrpSpPr/>
+        <p:nvPr/>
+      </p:nvGrpSpPr>
+      <p:grpSpPr>
+        <a:xfrm>
+          <a:off x="0" y="0"/>
+          <a:ext cx="0" cy="0"/>
+          <a:chOff x="0" y="0"/>
+          <a:chExt cx="0" cy="0"/>
+        </a:xfrm>
+      </p:grpSpPr>
+      <p:sp>
+        <p:nvSpPr>
+          <p:cNvPr id="2" name="Espace réservé de l'image des diapositives 1"/>
+          <p:cNvSpPr>
+            <a:spLocks noGrp="1" noRot="1" noChangeAspect="1"/>
+          </p:cNvSpPr>
+          <p:nvPr>
+            <p:ph type="sldImg"/>
+          </p:nvPr>
+        </p:nvSpPr>
+        <p:spPr/>
+      </p:sp>
+      <p:sp>
+        <p:nvSpPr>
+          <p:cNvPr id="3" name="Espace réservé des notes 2"/>
+          <p:cNvSpPr>
+            <a:spLocks noGrp="1"/>
+          </p:cNvSpPr>
+          <p:nvPr>
+            <p:ph type="body" idx="1"/>
+          </p:nvPr>
+        </p:nvSpPr>
+        <p:spPr/>
+        <p:txBody>
+          <a:bodyPr/>
+          <a:lstStyle/>
+          <a:p>
+            <a:r>
+              <a:rPr lang="fr-FR" dirty="0"/>
+              <a:t>-</a:t>
+            </a:r>
+          </a:p>
+        </p:txBody>
+      </p:sp>
+      <p:sp>
+        <p:nvSpPr>
+          <p:cNvPr id="4" name="Espace réservé du numéro de diapositive 3"/>
+          <p:cNvSpPr>
+            <a:spLocks noGrp="1"/>
+          </p:cNvSpPr>
+          <p:nvPr>
+            <p:ph type="sldNum" sz="quarter" idx="5"/>
+          </p:nvPr>
+        </p:nvSpPr>
+        <p:spPr/>
+        <p:txBody>
+          <a:bodyPr/>
+          <a:lstStyle/>
+          <a:p>
+            <a:fld id="{6465C638-4572-9440-81E7-E059EFD4A429}" type="slidenum">
+              <a:rPr lang="fr-FR" smtClean="0"/>
+              <a:t>4</a:t>
+            </a:fld>
+            <a:endParaRPr lang="fr-FR"/>
+          </a:p>
+        </p:txBody>
+      </p:sp>
+    </p:spTree>
+    <p:extLst>
+      <p:ext uri="{BB962C8B-B14F-4D97-AF65-F5344CB8AC3E}">
+        <p14:creationId xmlns:p14="http://schemas.microsoft.com/office/powerpoint/2010/main" val="2160659762"/>
+      </p:ext>
+    </p:extLst>
+  </p:cSld>
+  <p:clrMapOvr>
+    <a:masterClrMapping/>
+  </p:clrMapOvr>
+</p:notes>
+</file>
+
+<file path=ppt/notesSlides/notesSlide4.xml><?xml version="1.0" encoding="utf-8"?>
+<p:notes xmlns:a="http://schemas.openxmlformats.org/drawingml/2006/main" xmlns:r="http://schemas.openxmlformats.org/officeDocument/2006/relationships" xmlns:p="http://schemas.openxmlformats.org/presentationml/2006/main">
+  <p:cSld>
+    <p:spTree>
+      <p:nvGrpSpPr>
+        <p:cNvPr id="1" name=""/>
+        <p:cNvGrpSpPr/>
+        <p:nvPr/>
+      </p:nvGrpSpPr>
+      <p:grpSpPr>
+        <a:xfrm>
+          <a:off x="0" y="0"/>
+          <a:ext cx="0" cy="0"/>
+          <a:chOff x="0" y="0"/>
+          <a:chExt cx="0" cy="0"/>
+        </a:xfrm>
+      </p:grpSpPr>
+      <p:sp>
+        <p:nvSpPr>
+          <p:cNvPr id="2" name="Espace réservé de l'image des diapositives 1"/>
+          <p:cNvSpPr>
+            <a:spLocks noGrp="1" noRot="1" noChangeAspect="1"/>
+          </p:cNvSpPr>
+          <p:nvPr>
+            <p:ph type="sldImg"/>
+          </p:nvPr>
+        </p:nvSpPr>
+        <p:spPr/>
+      </p:sp>
+      <p:sp>
+        <p:nvSpPr>
+          <p:cNvPr id="3" name="Espace réservé des notes 2"/>
+          <p:cNvSpPr>
+            <a:spLocks noGrp="1"/>
+          </p:cNvSpPr>
+          <p:nvPr>
+            <p:ph type="body" idx="1"/>
+          </p:nvPr>
+        </p:nvSpPr>
+        <p:spPr/>
+        <p:txBody>
+          <a:bodyPr/>
+          <a:lstStyle/>
+          <a:p>
+            <a:pPr marL="171450" indent="-171450">
+              <a:buFontTx/>
+              <a:buChar char="-"/>
+            </a:pPr>
+            <a:r>
+              <a:rPr lang="fr-FR" dirty="0"/>
+              <a:t>Parler vite fait d’</a:t>
+            </a:r>
+            <a:r>
+              <a:rPr lang="fr-FR" dirty="0" err="1"/>
+              <a:t>Obserser</a:t>
+            </a:r>
+            <a:r>
+              <a:rPr lang="fr-FR" dirty="0"/>
+              <a:t> et </a:t>
+            </a:r>
+            <a:r>
+              <a:rPr lang="fr-FR" dirty="0" err="1"/>
+              <a:t>Subject</a:t>
+            </a:r>
+            <a:r>
+              <a:rPr lang="fr-FR" dirty="0"/>
+              <a:t> : Dire que ce sont des classes abstraites par la présence de méthode virtuelles pures. Ces classes sont génériques. Dire qu’il y a une erreur et que c’est un tableau d’observer (</a:t>
+            </a:r>
+            <a:r>
+              <a:rPr lang="fr-FR" dirty="0" err="1"/>
+              <a:t>vector</a:t>
+            </a:r>
+            <a:r>
+              <a:rPr lang="fr-FR" dirty="0"/>
+              <a:t>). Dire que c’est une erreur de développement</a:t>
+            </a:r>
+          </a:p>
+          <a:p>
+            <a:pPr marL="171450" indent="-171450">
+              <a:buFontTx/>
+              <a:buChar char="-"/>
+            </a:pPr>
+            <a:r>
+              <a:rPr lang="fr-FR" dirty="0"/>
+              <a:t>Parler des méthodes </a:t>
+            </a:r>
+            <a:r>
+              <a:rPr lang="fr-FR" dirty="0" err="1"/>
+              <a:t>Subject</a:t>
+            </a:r>
+            <a:r>
+              <a:rPr lang="fr-FR" dirty="0"/>
+              <a:t> : </a:t>
+            </a:r>
+            <a:r>
+              <a:rPr lang="fr-FR" dirty="0" err="1"/>
+              <a:t>attach</a:t>
+            </a:r>
+            <a:r>
+              <a:rPr lang="fr-FR" dirty="0"/>
+              <a:t>, </a:t>
+            </a:r>
+            <a:r>
+              <a:rPr lang="fr-FR" dirty="0" err="1"/>
+              <a:t>detach</a:t>
+            </a:r>
+            <a:r>
+              <a:rPr lang="fr-FR" dirty="0"/>
+              <a:t> et </a:t>
+            </a:r>
+            <a:r>
+              <a:rPr lang="fr-FR" dirty="0" err="1"/>
+              <a:t>notify</a:t>
+            </a:r>
+            <a:r>
+              <a:rPr lang="fr-FR" dirty="0"/>
+              <a:t> </a:t>
+            </a:r>
+          </a:p>
+          <a:p>
+            <a:pPr marL="628650" lvl="1" indent="-171450">
+              <a:buFontTx/>
+              <a:buChar char="-"/>
+            </a:pPr>
+            <a:r>
+              <a:rPr lang="fr-FR" dirty="0"/>
+              <a:t>S’attarder sur </a:t>
+            </a:r>
+            <a:r>
+              <a:rPr lang="fr-FR" dirty="0" err="1"/>
+              <a:t>attach</a:t>
+            </a:r>
+            <a:r>
+              <a:rPr lang="fr-FR" dirty="0"/>
+              <a:t> : Expliquer le </a:t>
+            </a:r>
+            <a:r>
+              <a:rPr lang="fr-FR" dirty="0" err="1"/>
+              <a:t>downcast</a:t>
+            </a:r>
+            <a:r>
+              <a:rPr lang="fr-FR" dirty="0"/>
+              <a:t> (ce n’est pas risqué car dans notre </a:t>
+            </a:r>
+            <a:r>
+              <a:rPr lang="fr-FR" dirty="0" err="1"/>
+              <a:t>vector</a:t>
+            </a:r>
+            <a:r>
+              <a:rPr lang="fr-FR" dirty="0"/>
+              <a:t> ce sont des </a:t>
+            </a:r>
+            <a:r>
+              <a:rPr lang="fr-FR" dirty="0" err="1"/>
+              <a:t>SensorManager</a:t>
+            </a:r>
+            <a:r>
+              <a:rPr lang="fr-FR" dirty="0"/>
+              <a:t>)</a:t>
+            </a:r>
+          </a:p>
+          <a:p>
+            <a:pPr marL="628650" lvl="1" indent="-171450">
+              <a:buFontTx/>
+              <a:buChar char="-"/>
+            </a:pPr>
+            <a:r>
+              <a:rPr lang="fr-FR" dirty="0"/>
+              <a:t>S’attarder sur </a:t>
+            </a:r>
+            <a:r>
+              <a:rPr lang="fr-FR" dirty="0" err="1"/>
+              <a:t>detach</a:t>
+            </a:r>
+            <a:r>
+              <a:rPr lang="fr-FR" dirty="0"/>
+              <a:t> : Rappeler qu’un itérateur est un pointeur sur un élément du </a:t>
+            </a:r>
+            <a:r>
+              <a:rPr lang="fr-FR" dirty="0" err="1"/>
+              <a:t>vector</a:t>
+            </a:r>
+            <a:r>
+              <a:rPr lang="fr-FR" dirty="0"/>
+              <a:t>, on utilise les itérateurs pour utiliser les méthodes associées (</a:t>
+            </a:r>
+            <a:r>
+              <a:rPr lang="fr-FR" dirty="0" err="1"/>
+              <a:t>erase</a:t>
+            </a:r>
+            <a:r>
+              <a:rPr lang="fr-FR" dirty="0"/>
+              <a:t>)</a:t>
+            </a:r>
+          </a:p>
+          <a:p>
+            <a:pPr marL="171450" lvl="0" indent="-171450">
+              <a:buFontTx/>
+              <a:buChar char="-"/>
+            </a:pPr>
+            <a:r>
+              <a:rPr lang="fr-FR" dirty="0"/>
+              <a:t>Parler de update : Dire qu’il peut faire des traitements spécialisés, mais qu’il ne fait que de l’affichage pour l’intérêt de la démo</a:t>
+            </a:r>
+          </a:p>
+          <a:p>
+            <a:pPr marL="628650" lvl="1" indent="-171450">
+              <a:buFontTx/>
+              <a:buChar char="-"/>
+            </a:pPr>
+            <a:endParaRPr lang="fr-FR" dirty="0"/>
+          </a:p>
+        </p:txBody>
+      </p:sp>
+      <p:sp>
+        <p:nvSpPr>
+          <p:cNvPr id="4" name="Espace réservé du numéro de diapositive 3"/>
+          <p:cNvSpPr>
+            <a:spLocks noGrp="1"/>
+          </p:cNvSpPr>
+          <p:nvPr>
+            <p:ph type="sldNum" sz="quarter" idx="5"/>
+          </p:nvPr>
+        </p:nvSpPr>
+        <p:spPr/>
+        <p:txBody>
+          <a:bodyPr/>
+          <a:lstStyle/>
+          <a:p>
+            <a:fld id="{6465C638-4572-9440-81E7-E059EFD4A429}" type="slidenum">
+              <a:rPr lang="fr-FR" smtClean="0"/>
+              <a:t>6</a:t>
+            </a:fld>
+            <a:endParaRPr lang="fr-FR"/>
+          </a:p>
+        </p:txBody>
+      </p:sp>
+    </p:spTree>
+    <p:extLst>
+      <p:ext uri="{BB962C8B-B14F-4D97-AF65-F5344CB8AC3E}">
+        <p14:creationId xmlns:p14="http://schemas.microsoft.com/office/powerpoint/2010/main" val="2222405653"/>
+      </p:ext>
+    </p:extLst>
+  </p:cSld>
+  <p:clrMapOvr>
+    <a:masterClrMapping/>
+  </p:clrMapOvr>
+</p:notes>
+</file>
+
+<file path=ppt/notesSlides/notesSlide5.xml><?xml version="1.0" encoding="utf-8"?>
+<p:notes xmlns:a="http://schemas.openxmlformats.org/drawingml/2006/main" xmlns:r="http://schemas.openxmlformats.org/officeDocument/2006/relationships" xmlns:p="http://schemas.openxmlformats.org/presentationml/2006/main">
+  <p:cSld>
+    <p:spTree>
+      <p:nvGrpSpPr>
+        <p:cNvPr id="1" name=""/>
+        <p:cNvGrpSpPr/>
+        <p:nvPr/>
+      </p:nvGrpSpPr>
+      <p:grpSpPr>
+        <a:xfrm>
+          <a:off x="0" y="0"/>
+          <a:ext cx="0" cy="0"/>
+          <a:chOff x="0" y="0"/>
+          <a:chExt cx="0" cy="0"/>
+        </a:xfrm>
+      </p:grpSpPr>
+      <p:sp>
+        <p:nvSpPr>
+          <p:cNvPr id="2" name="Espace réservé de l'image des diapositives 1"/>
+          <p:cNvSpPr>
+            <a:spLocks noGrp="1" noRot="1" noChangeAspect="1"/>
+          </p:cNvSpPr>
+          <p:nvPr>
+            <p:ph type="sldImg"/>
+          </p:nvPr>
+        </p:nvSpPr>
+        <p:spPr/>
+      </p:sp>
+      <p:sp>
+        <p:nvSpPr>
+          <p:cNvPr id="3" name="Espace réservé des notes 2"/>
+          <p:cNvSpPr>
+            <a:spLocks noGrp="1"/>
+          </p:cNvSpPr>
+          <p:nvPr>
+            <p:ph type="body" idx="1"/>
+          </p:nvPr>
+        </p:nvSpPr>
+        <p:spPr/>
+        <p:txBody>
+          <a:bodyPr/>
+          <a:lstStyle/>
+          <a:p>
+            <a:pPr marL="0" marR="0" lvl="0" indent="0" algn="l" defTabSz="914400" rtl="0" eaLnBrk="1" fontAlgn="auto" latinLnBrk="0" hangingPunct="1">
+              <a:lnSpc>
+                <a:spcPct val="100000"/>
+              </a:lnSpc>
+              <a:spcBef>
+                <a:spcPts val="0"/>
+              </a:spcBef>
+              <a:spcAft>
+                <a:spcPts val="0"/>
+              </a:spcAft>
+              <a:buClrTx/>
+              <a:buSzTx/>
+              <a:buFontTx/>
+              <a:buNone/>
+              <a:tabLst/>
+              <a:defRPr/>
+            </a:pPr>
+            <a:r>
+              <a:rPr lang="fr-FR" dirty="0">
+                <a:solidFill>
+                  <a:srgbClr val="3F3F3F"/>
+                </a:solidFill>
+                <a:effectLst/>
+                <a:latin typeface="Helvetica" pitchFamily="2" charset="0"/>
+              </a:rPr>
               <a:t>Gains de performances parce que moins de calculs, dans les systèmes embarqués cela veut dire moins de consommation donc gain d’énergie</a:t>
             </a:r>
           </a:p>
           <a:p>
             <a:endParaRPr lang="fr-FR" dirty="0"/>
+          </a:p>
+          <a:p>
+            <a:pPr marL="171450" indent="-171450">
+              <a:buFontTx/>
+              <a:buChar char="-"/>
+            </a:pPr>
+            <a:r>
+              <a:rPr lang="fr-FR" dirty="0"/>
+              <a:t>Avantages : Indépendance du sujet et de l’observateur (avec la généricité)</a:t>
+            </a:r>
+          </a:p>
+          <a:p>
+            <a:pPr marL="171450" indent="-171450">
+              <a:buFontTx/>
+              <a:buChar char="-"/>
+            </a:pPr>
+            <a:r>
+              <a:rPr lang="fr-FR" dirty="0"/>
+              <a:t>Inconvénients : Notifier de toutes les informations même les moins importantes ce qui peut gêner/créer une surcharge lorsque le nombre d’observateurs est important.</a:t>
+            </a:r>
+          </a:p>
+          <a:p>
+            <a:pPr marL="171450" indent="-171450">
+              <a:buFontTx/>
+              <a:buChar char="-"/>
+            </a:pPr>
+            <a:endParaRPr lang="fr-FR" dirty="0"/>
+          </a:p>
+          <a:p>
+            <a:pPr marL="0" indent="0">
+              <a:buFontTx/>
+              <a:buNone/>
+            </a:pPr>
+            <a:r>
+              <a:rPr lang="fr-FR" dirty="0"/>
+              <a:t>Ouvertures : </a:t>
+            </a:r>
+          </a:p>
+          <a:p>
+            <a:r>
+              <a:rPr lang="fr-FR" dirty="0"/>
+              <a:t>- </a:t>
+            </a:r>
+            <a:r>
+              <a:rPr lang="fr-FR" dirty="0" err="1"/>
+              <a:t>Publish</a:t>
+            </a:r>
+            <a:r>
+              <a:rPr lang="fr-FR" dirty="0"/>
+              <a:t> </a:t>
+            </a:r>
+            <a:r>
+              <a:rPr lang="fr-FR" dirty="0" err="1"/>
+              <a:t>subscribe</a:t>
+            </a:r>
+            <a:r>
+              <a:rPr lang="fr-FR" dirty="0"/>
+              <a:t> : Les messages sont classés par catégories (ou classes de messages) auxquelles les destinataires s’abonnent (</a:t>
+            </a:r>
+            <a:r>
+              <a:rPr lang="fr-FR" i="1" dirty="0" err="1"/>
+              <a:t>subscribe</a:t>
+            </a:r>
+            <a:r>
+              <a:rPr lang="fr-FR" dirty="0"/>
+              <a:t>)</a:t>
+            </a:r>
+            <a:r>
+              <a:rPr lang="fr-FR" baseline="30000" dirty="0">
+                <a:hlinkClick r:id="rId3"/>
+              </a:rPr>
+              <a:t>1</a:t>
+            </a:r>
+            <a:r>
+              <a:rPr lang="fr-FR" dirty="0"/>
+              <a:t>. </a:t>
+            </a:r>
+          </a:p>
+          <a:p>
+            <a:r>
+              <a:rPr lang="fr-FR" dirty="0"/>
+              <a:t>Ce mécanisme peut, entre autres, permettre de mettre en place des publications de brèves et articles, des abonnements à des flux d’information, des </a:t>
+            </a:r>
+            <a:r>
+              <a:rPr lang="fr-FR" dirty="0" err="1">
+                <a:hlinkClick r:id="rId4" tooltip="Tuple"/>
+              </a:rPr>
+              <a:t>uplets</a:t>
+            </a:r>
+            <a:r>
+              <a:rPr lang="fr-FR" dirty="0"/>
+              <a:t>, des </a:t>
+            </a:r>
+            <a:r>
+              <a:rPr lang="fr-FR" dirty="0">
+                <a:hlinkClick r:id="rId5" tooltip="Marque-page"/>
+              </a:rPr>
+              <a:t>marque-pages</a:t>
+            </a:r>
+            <a:r>
+              <a:rPr lang="fr-FR" dirty="0"/>
+              <a:t> partagés, des systèmes d’enchères et d’échanges, des catalogues en ligne, des systèmes de </a:t>
+            </a:r>
+            <a:r>
+              <a:rPr lang="fr-FR" dirty="0">
+                <a:hlinkClick r:id="rId6" tooltip="Workflow"/>
+              </a:rPr>
+              <a:t>flux de travaux</a:t>
+            </a:r>
+            <a:r>
+              <a:rPr lang="fr-FR" dirty="0"/>
+              <a:t> ou encore des notifications événements. </a:t>
+            </a:r>
+          </a:p>
+          <a:p>
+            <a:pPr marL="0" indent="0">
+              <a:buFontTx/>
+              <a:buNone/>
+            </a:pPr>
+            <a:r>
+              <a:rPr lang="fr-FR" dirty="0"/>
+              <a:t>- MVC : Quand la </a:t>
+            </a:r>
+            <a:r>
+              <a:rPr lang="fr-FR" dirty="0" err="1"/>
+              <a:t>view</a:t>
+            </a:r>
+            <a:r>
+              <a:rPr lang="fr-FR" dirty="0"/>
+              <a:t> change, le </a:t>
+            </a:r>
+            <a:r>
+              <a:rPr lang="fr-FR" dirty="0" err="1"/>
+              <a:t>controller</a:t>
+            </a:r>
+            <a:r>
+              <a:rPr lang="fr-FR" dirty="0"/>
+              <a:t> est trigger</a:t>
+            </a:r>
           </a:p>
         </p:txBody>
       </p:sp>
@@ -1358,7 +2034,7 @@
           <a:p>
             <a:fld id="{55F56711-D5A6-9E45-BD22-9347A5F03FFE}" type="datetimeFigureOut">
               <a:rPr lang="fr-FR" smtClean="0"/>
-              <a:t>09/11/2021</a:t>
+              <a:t>11/11/2021</a:t>
             </a:fld>
             <a:endParaRPr lang="fr-FR"/>
           </a:p>
@@ -1688,7 +2364,7 @@
           <a:p>
             <a:fld id="{55F56711-D5A6-9E45-BD22-9347A5F03FFE}" type="datetimeFigureOut">
               <a:rPr lang="fr-FR" smtClean="0"/>
-              <a:t>09/11/2021</a:t>
+              <a:t>11/11/2021</a:t>
             </a:fld>
             <a:endParaRPr lang="fr-FR"/>
           </a:p>
@@ -1868,7 +2544,7 @@
           <a:p>
             <a:fld id="{55F56711-D5A6-9E45-BD22-9347A5F03FFE}" type="datetimeFigureOut">
               <a:rPr lang="fr-FR" smtClean="0"/>
-              <a:t>09/11/2021</a:t>
+              <a:t>11/11/2021</a:t>
             </a:fld>
             <a:endParaRPr lang="fr-FR"/>
           </a:p>
@@ -2038,7 +2714,7 @@
           <a:p>
             <a:fld id="{55F56711-D5A6-9E45-BD22-9347A5F03FFE}" type="datetimeFigureOut">
               <a:rPr lang="fr-FR" smtClean="0"/>
-              <a:t>09/11/2021</a:t>
+              <a:t>11/11/2021</a:t>
             </a:fld>
             <a:endParaRPr lang="fr-FR"/>
           </a:p>
@@ -2315,7 +2991,7 @@
           <a:p>
             <a:fld id="{55F56711-D5A6-9E45-BD22-9347A5F03FFE}" type="datetimeFigureOut">
               <a:rPr lang="fr-FR" smtClean="0"/>
-              <a:t>09/11/2021</a:t>
+              <a:t>11/11/2021</a:t>
             </a:fld>
             <a:endParaRPr lang="fr-FR"/>
           </a:p>
@@ -2709,7 +3385,7 @@
           <a:p>
             <a:fld id="{55F56711-D5A6-9E45-BD22-9347A5F03FFE}" type="datetimeFigureOut">
               <a:rPr lang="fr-FR" smtClean="0"/>
-              <a:t>09/11/2021</a:t>
+              <a:t>11/11/2021</a:t>
             </a:fld>
             <a:endParaRPr lang="fr-FR"/>
           </a:p>
@@ -3186,7 +3862,7 @@
           <a:p>
             <a:fld id="{55F56711-D5A6-9E45-BD22-9347A5F03FFE}" type="datetimeFigureOut">
               <a:rPr lang="fr-FR" smtClean="0"/>
-              <a:t>09/11/2021</a:t>
+              <a:t>11/11/2021</a:t>
             </a:fld>
             <a:endParaRPr lang="fr-FR"/>
           </a:p>
@@ -3304,7 +3980,7 @@
           <a:p>
             <a:fld id="{55F56711-D5A6-9E45-BD22-9347A5F03FFE}" type="datetimeFigureOut">
               <a:rPr lang="fr-FR" smtClean="0"/>
-              <a:t>09/11/2021</a:t>
+              <a:t>11/11/2021</a:t>
             </a:fld>
             <a:endParaRPr lang="fr-FR"/>
           </a:p>
@@ -3399,7 +4075,7 @@
           <a:p>
             <a:fld id="{55F56711-D5A6-9E45-BD22-9347A5F03FFE}" type="datetimeFigureOut">
               <a:rPr lang="fr-FR" smtClean="0"/>
-              <a:t>09/11/2021</a:t>
+              <a:t>11/11/2021</a:t>
             </a:fld>
             <a:endParaRPr lang="fr-FR"/>
           </a:p>
@@ -3745,7 +4421,7 @@
           <a:p>
             <a:fld id="{55F56711-D5A6-9E45-BD22-9347A5F03FFE}" type="datetimeFigureOut">
               <a:rPr lang="fr-FR" smtClean="0"/>
-              <a:t>09/11/2021</a:t>
+              <a:t>11/11/2021</a:t>
             </a:fld>
             <a:endParaRPr lang="fr-FR"/>
           </a:p>
@@ -4133,7 +4809,7 @@
           <a:p>
             <a:fld id="{55F56711-D5A6-9E45-BD22-9347A5F03FFE}" type="datetimeFigureOut">
               <a:rPr lang="fr-FR" smtClean="0"/>
-              <a:t>09/11/2021</a:t>
+              <a:t>11/11/2021</a:t>
             </a:fld>
             <a:endParaRPr lang="fr-FR"/>
           </a:p>
@@ -4411,7 +5087,7 @@
           <a:p>
             <a:fld id="{55F56711-D5A6-9E45-BD22-9347A5F03FFE}" type="datetimeFigureOut">
               <a:rPr lang="fr-FR" smtClean="0"/>
-              <a:t>09/11/2021</a:t>
+              <a:t>11/11/2021</a:t>
             </a:fld>
             <a:endParaRPr lang="fr-FR"/>
           </a:p>
@@ -5415,7 +6091,7 @@
           <p:nvPr/>
         </p:nvPicPr>
         <p:blipFill>
-          <a:blip r:embed="rId2"/>
+          <a:blip r:embed="rId3"/>
           <a:stretch>
             <a:fillRect/>
           </a:stretch>
@@ -5490,10 +6166,10 @@
       </p:sp>
       <p:pic>
         <p:nvPicPr>
-          <p:cNvPr id="6" name="Image 5">
+          <p:cNvPr id="4" name="Image 3">
             <a:extLst>
               <a:ext uri="{FF2B5EF4-FFF2-40B4-BE49-F238E27FC236}">
-                <a16:creationId xmlns:a16="http://schemas.microsoft.com/office/drawing/2014/main" id="{B3FBF361-B827-0C45-BBCF-2CFFBDE3F6CC}"/>
+                <a16:creationId xmlns:a16="http://schemas.microsoft.com/office/drawing/2014/main" id="{4C59C47A-E6DF-B74F-85C3-0CBBF1982376}"/>
               </a:ext>
             </a:extLst>
           </p:cNvPr>
@@ -5510,8 +6186,8 @@
         </p:blipFill>
         <p:spPr>
           <a:xfrm>
-            <a:off x="2433981" y="1748536"/>
-            <a:ext cx="7324038" cy="4617568"/>
+            <a:off x="2175741" y="1713923"/>
+            <a:ext cx="8394700" cy="4787900"/>
           </a:xfrm>
           <a:prstGeom prst="rect">
             <a:avLst/>
@@ -5592,7 +6268,7 @@
           <p:nvPr/>
         </p:nvPicPr>
         <p:blipFill>
-          <a:blip r:embed="rId2">
+          <a:blip r:embed="rId3">
             <a:extLst>
               <a:ext uri="{28A0092B-C50C-407E-A947-70E740481C1C}">
                 <a14:useLocalDpi xmlns:a14="http://schemas.microsoft.com/office/drawing/2010/main" val="0"/>
@@ -5639,7 +6315,7 @@
           <p:nvPr/>
         </p:nvPicPr>
         <p:blipFill>
-          <a:blip r:embed="rId3">
+          <a:blip r:embed="rId4">
             <a:extLst>
               <a:ext uri="{28A0092B-C50C-407E-A947-70E740481C1C}">
                 <a14:useLocalDpi xmlns:a14="http://schemas.microsoft.com/office/drawing/2010/main" val="0"/>
@@ -5686,7 +6362,7 @@
           <p:nvPr/>
         </p:nvPicPr>
         <p:blipFill>
-          <a:blip r:embed="rId4"/>
+          <a:blip r:embed="rId5"/>
           <a:stretch>
             <a:fillRect/>
           </a:stretch>
@@ -5716,7 +6392,7 @@
           <p:nvPr/>
         </p:nvPicPr>
         <p:blipFill>
-          <a:blip r:embed="rId5"/>
+          <a:blip r:embed="rId6"/>
           <a:stretch>
             <a:fillRect/>
           </a:stretch>
@@ -5805,14 +6481,21 @@
             <p:ph idx="1"/>
           </p:nvPr>
         </p:nvSpPr>
-        <p:spPr/>
-        <p:txBody>
-          <a:bodyPr/>
+        <p:spPr>
+          <a:xfrm>
+            <a:off x="1371600" y="1877961"/>
+            <a:ext cx="9601200" cy="4294239"/>
+          </a:xfrm>
+        </p:spPr>
+        <p:txBody>
+          <a:bodyPr>
+            <a:normAutofit/>
+          </a:bodyPr>
           <a:lstStyle/>
           <a:p>
             <a:r>
               <a:rPr lang="fr-FR" dirty="0"/>
-              <a:t>Avantage du pattern : </a:t>
+              <a:t>Avantages du pattern : </a:t>
             </a:r>
           </a:p>
           <a:p>
@@ -5852,7 +6535,21 @@
               </a:rPr>
               <a:t> gains de performances, énergie (cas des systèmes embarqués)</a:t>
             </a:r>
-            <a:endParaRPr lang="fr-FR" dirty="0"/>
+          </a:p>
+          <a:p>
+            <a:r>
+              <a:rPr lang="fr-FR" dirty="0">
+                <a:sym typeface="Wingdings" pitchFamily="2" charset="2"/>
+              </a:rPr>
+              <a:t>Inconvénients :</a:t>
+            </a:r>
+          </a:p>
+          <a:p>
+            <a:pPr lvl="1"/>
+            <a:r>
+              <a:rPr lang="fr-FR" dirty="0"/>
+              <a:t>Surcharge lorsqu’un sujet doit notifier beaucoup d’observateurs sur des informations moins pertinentes</a:t>
+            </a:r>
           </a:p>
           <a:p>
             <a:r>
